--- a/design/2016/models/odometry.pptx
+++ b/design/2016/models/odometry.pptx
@@ -6,6 +6,7 @@
   </p:sldMasterIdLst>
   <p:sldIdLst>
     <p:sldId id="256" r:id="rId2"/>
+    <p:sldId id="257" r:id="rId3"/>
   </p:sldIdLst>
   <p:sldSz cx="9144000" cy="6858000" type="screen4x3"/>
   <p:notesSz cx="6858000" cy="9144000"/>
@@ -104,6 +105,22 @@
       </a:defRPr>
     </a:lvl9pPr>
   </p:defaultTextStyle>
+  <p:extLst>
+    <p:ext uri="{EFAFB233-063F-42B5-8137-9DF3F51BA10A}">
+      <p15:sldGuideLst xmlns:p15="http://schemas.microsoft.com/office/powerpoint/2012/main">
+        <p15:guide id="1" orient="horz" pos="2160">
+          <p15:clr>
+            <a:srgbClr val="A4A3A4"/>
+          </p15:clr>
+        </p15:guide>
+        <p15:guide id="2" pos="2880">
+          <p15:clr>
+            <a:srgbClr val="A4A3A4"/>
+          </p15:clr>
+        </p15:guide>
+      </p15:sldGuideLst>
+    </p:ext>
+  </p:extLst>
 </p:presentation>
 </file>
 
@@ -288,7 +305,7 @@
           <a:p>
             <a:fld id="{D3DD6385-1E20-4E75-938E-8CB9243ED2AB}" type="datetimeFigureOut">
               <a:rPr kumimoji="1" lang="ja-JP" altLang="en-US" smtClean="0"/>
-              <a:t>2016/8/14</a:t>
+              <a:t>2016/8/17</a:t>
             </a:fld>
             <a:endParaRPr kumimoji="1" lang="ja-JP" altLang="en-US"/>
           </a:p>
@@ -490,7 +507,7 @@
           <a:p>
             <a:fld id="{D3DD6385-1E20-4E75-938E-8CB9243ED2AB}" type="datetimeFigureOut">
               <a:rPr kumimoji="1" lang="ja-JP" altLang="en-US" smtClean="0"/>
-              <a:t>2016/8/14</a:t>
+              <a:t>2016/8/17</a:t>
             </a:fld>
             <a:endParaRPr kumimoji="1" lang="ja-JP" altLang="en-US"/>
           </a:p>
@@ -702,7 +719,7 @@
           <a:p>
             <a:fld id="{D3DD6385-1E20-4E75-938E-8CB9243ED2AB}" type="datetimeFigureOut">
               <a:rPr kumimoji="1" lang="ja-JP" altLang="en-US" smtClean="0"/>
-              <a:t>2016/8/14</a:t>
+              <a:t>2016/8/17</a:t>
             </a:fld>
             <a:endParaRPr kumimoji="1" lang="ja-JP" altLang="en-US"/>
           </a:p>
@@ -904,7 +921,7 @@
           <a:p>
             <a:fld id="{D3DD6385-1E20-4E75-938E-8CB9243ED2AB}" type="datetimeFigureOut">
               <a:rPr kumimoji="1" lang="ja-JP" altLang="en-US" smtClean="0"/>
-              <a:t>2016/8/14</a:t>
+              <a:t>2016/8/17</a:t>
             </a:fld>
             <a:endParaRPr kumimoji="1" lang="ja-JP" altLang="en-US"/>
           </a:p>
@@ -1150,7 +1167,7 @@
           <a:p>
             <a:fld id="{D3DD6385-1E20-4E75-938E-8CB9243ED2AB}" type="datetimeFigureOut">
               <a:rPr kumimoji="1" lang="ja-JP" altLang="en-US" smtClean="0"/>
-              <a:t>2016/8/14</a:t>
+              <a:t>2016/8/17</a:t>
             </a:fld>
             <a:endParaRPr kumimoji="1" lang="ja-JP" altLang="en-US"/>
           </a:p>
@@ -1502,7 +1519,7 @@
           <a:p>
             <a:fld id="{D3DD6385-1E20-4E75-938E-8CB9243ED2AB}" type="datetimeFigureOut">
               <a:rPr kumimoji="1" lang="ja-JP" altLang="en-US" smtClean="0"/>
-              <a:t>2016/8/14</a:t>
+              <a:t>2016/8/17</a:t>
             </a:fld>
             <a:endParaRPr kumimoji="1" lang="ja-JP" altLang="en-US"/>
           </a:p>
@@ -1988,7 +2005,7 @@
           <a:p>
             <a:fld id="{D3DD6385-1E20-4E75-938E-8CB9243ED2AB}" type="datetimeFigureOut">
               <a:rPr kumimoji="1" lang="ja-JP" altLang="en-US" smtClean="0"/>
-              <a:t>2016/8/14</a:t>
+              <a:t>2016/8/17</a:t>
             </a:fld>
             <a:endParaRPr kumimoji="1" lang="ja-JP" altLang="en-US"/>
           </a:p>
@@ -2106,7 +2123,7 @@
           <a:p>
             <a:fld id="{D3DD6385-1E20-4E75-938E-8CB9243ED2AB}" type="datetimeFigureOut">
               <a:rPr kumimoji="1" lang="ja-JP" altLang="en-US" smtClean="0"/>
-              <a:t>2016/8/14</a:t>
+              <a:t>2016/8/17</a:t>
             </a:fld>
             <a:endParaRPr kumimoji="1" lang="ja-JP" altLang="en-US"/>
           </a:p>
@@ -2201,7 +2218,7 @@
           <a:p>
             <a:fld id="{D3DD6385-1E20-4E75-938E-8CB9243ED2AB}" type="datetimeFigureOut">
               <a:rPr kumimoji="1" lang="ja-JP" altLang="en-US" smtClean="0"/>
-              <a:t>2016/8/14</a:t>
+              <a:t>2016/8/17</a:t>
             </a:fld>
             <a:endParaRPr kumimoji="1" lang="ja-JP" altLang="en-US"/>
           </a:p>
@@ -2510,7 +2527,7 @@
           <a:p>
             <a:fld id="{D3DD6385-1E20-4E75-938E-8CB9243ED2AB}" type="datetimeFigureOut">
               <a:rPr kumimoji="1" lang="ja-JP" altLang="en-US" smtClean="0"/>
-              <a:t>2016/8/14</a:t>
+              <a:t>2016/8/17</a:t>
             </a:fld>
             <a:endParaRPr kumimoji="1" lang="ja-JP" altLang="en-US"/>
           </a:p>
@@ -2763,7 +2780,7 @@
           <a:p>
             <a:fld id="{D3DD6385-1E20-4E75-938E-8CB9243ED2AB}" type="datetimeFigureOut">
               <a:rPr kumimoji="1" lang="ja-JP" altLang="en-US" smtClean="0"/>
-              <a:t>2016/8/14</a:t>
+              <a:t>2016/8/17</a:t>
             </a:fld>
             <a:endParaRPr kumimoji="1" lang="ja-JP" altLang="en-US"/>
           </a:p>
@@ -3008,7 +3025,7 @@
           <a:p>
             <a:fld id="{D3DD6385-1E20-4E75-938E-8CB9243ED2AB}" type="datetimeFigureOut">
               <a:rPr kumimoji="1" lang="ja-JP" altLang="en-US" smtClean="0"/>
-              <a:t>2016/8/14</a:t>
+              <a:t>2016/8/17</a:t>
             </a:fld>
             <a:endParaRPr kumimoji="1" lang="ja-JP" altLang="en-US"/>
           </a:p>
@@ -4051,8 +4068,8 @@
           </a:p>
         </p:txBody>
       </p:sp>
-      <mc:AlternateContent xmlns:mc="http://schemas.openxmlformats.org/markup-compatibility/2006">
-        <mc:Choice xmlns:a14="http://schemas.microsoft.com/office/drawing/2010/main" Requires="a14">
+      <mc:AlternateContent xmlns:mc="http://schemas.openxmlformats.org/markup-compatibility/2006" xmlns:a14="http://schemas.microsoft.com/office/drawing/2010/main">
+        <mc:Choice Requires="a14">
           <p:sp>
             <p:nvSpPr>
               <p:cNvPr id="20" name="テキスト ボックス 19"/>
@@ -4080,14 +4097,7 @@
                     <a:latin typeface="HG丸ｺﾞｼｯｸM-PRO" panose="020F0600000000000000" pitchFamily="50" charset="-128"/>
                     <a:ea typeface="HG丸ｺﾞｼｯｸM-PRO" panose="020F0600000000000000" pitchFamily="50" charset="-128"/>
                   </a:rPr>
-                  <a:t>トレッド</a:t>
-                </a:r>
-                <a:r>
-                  <a:rPr lang="ja-JP" altLang="en-US" sz="1050" dirty="0" smtClean="0">
-                    <a:latin typeface="HG丸ｺﾞｼｯｸM-PRO" panose="020F0600000000000000" pitchFamily="50" charset="-128"/>
-                    <a:ea typeface="HG丸ｺﾞｼｯｸM-PRO" panose="020F0600000000000000" pitchFamily="50" charset="-128"/>
-                  </a:rPr>
-                  <a:t>長（</a:t>
+                  <a:t>トレッド長（</a:t>
                 </a:r>
                 <a14:m>
                   <m:oMath xmlns:m="http://schemas.openxmlformats.org/officeDocument/2006/math">
@@ -4105,14 +4115,7 @@
                     <a:latin typeface="HG丸ｺﾞｼｯｸM-PRO" panose="020F0600000000000000" pitchFamily="50" charset="-128"/>
                     <a:ea typeface="HG丸ｺﾞｼｯｸM-PRO" panose="020F0600000000000000" pitchFamily="50" charset="-128"/>
                   </a:rPr>
-                  <a:t>）</a:t>
-                </a:r>
-                <a:r>
-                  <a:rPr lang="ja-JP" altLang="en-US" sz="1050" dirty="0" smtClean="0">
-                    <a:latin typeface="HG丸ｺﾞｼｯｸM-PRO" panose="020F0600000000000000" pitchFamily="50" charset="-128"/>
-                    <a:ea typeface="HG丸ｺﾞｼｯｸM-PRO" panose="020F0600000000000000" pitchFamily="50" charset="-128"/>
-                  </a:rPr>
-                  <a:t>： </a:t>
+                  <a:t>）： </a:t>
                 </a:r>
                 <a14:m>
                   <m:oMath xmlns:m="http://schemas.openxmlformats.org/officeDocument/2006/math">
@@ -4127,7 +4130,7 @@
                       <m:sSubPr>
                         <m:ctrlPr>
                           <a:rPr lang="en-US" altLang="ja-JP" sz="1050" i="1" smtClean="0">
-                            <a:latin typeface="Cambria Math"/>
+                            <a:latin typeface="Cambria Math" panose="02040503050406030204" pitchFamily="18" charset="0"/>
                             <a:ea typeface="HG丸ｺﾞｼｯｸM-PRO" panose="020F0600000000000000" pitchFamily="50" charset="-128"/>
                           </a:rPr>
                         </m:ctrlPr>
@@ -4197,7 +4200,7 @@
                       <m:sSubPr>
                         <m:ctrlPr>
                           <a:rPr lang="en-US" altLang="ja-JP" sz="1050" i="1" smtClean="0">
-                            <a:latin typeface="Cambria Math"/>
+                            <a:latin typeface="Cambria Math" panose="02040503050406030204" pitchFamily="18" charset="0"/>
                             <a:ea typeface="HG丸ｺﾞｼｯｸM-PRO" panose="020F0600000000000000" pitchFamily="50" charset="-128"/>
                           </a:rPr>
                         </m:ctrlPr>
@@ -4234,28 +4237,7 @@
                     <a:latin typeface="HG丸ｺﾞｼｯｸM-PRO" panose="020F0600000000000000" pitchFamily="50" charset="-128"/>
                     <a:ea typeface="HG丸ｺﾞｼｯｸM-PRO" panose="020F0600000000000000" pitchFamily="50" charset="-128"/>
                   </a:rPr>
-                  <a:t>微小時間での右</a:t>
-                </a:r>
-                <a:r>
-                  <a:rPr lang="ja-JP" altLang="en-US" sz="1050" dirty="0" smtClean="0">
-                    <a:latin typeface="HG丸ｺﾞｼｯｸM-PRO" panose="020F0600000000000000" pitchFamily="50" charset="-128"/>
-                    <a:ea typeface="HG丸ｺﾞｼｯｸM-PRO" panose="020F0600000000000000" pitchFamily="50" charset="-128"/>
-                  </a:rPr>
-                  <a:t>サーボモーターの回転角の変化</a:t>
-                </a:r>
-                <a:r>
-                  <a:rPr lang="ja-JP" altLang="en-US" sz="1050" dirty="0" smtClean="0">
-                    <a:latin typeface="HG丸ｺﾞｼｯｸM-PRO" panose="020F0600000000000000" pitchFamily="50" charset="-128"/>
-                    <a:ea typeface="HG丸ｺﾞｼｯｸM-PRO" panose="020F0600000000000000" pitchFamily="50" charset="-128"/>
-                  </a:rPr>
-                  <a:t>量</a:t>
-                </a:r>
-                <a:r>
-                  <a:rPr lang="ja-JP" altLang="en-US" sz="1050" dirty="0" smtClean="0">
-                    <a:latin typeface="HG丸ｺﾞｼｯｸM-PRO" panose="020F0600000000000000" pitchFamily="50" charset="-128"/>
-                    <a:ea typeface="HG丸ｺﾞｼｯｸM-PRO" panose="020F0600000000000000" pitchFamily="50" charset="-128"/>
-                  </a:rPr>
-                  <a:t>（</a:t>
+                  <a:t>微小時間での右サーボモーターの回転角の変化量（</a:t>
                 </a:r>
                 <a14:m>
                   <m:oMath xmlns:m="http://schemas.openxmlformats.org/officeDocument/2006/math">
@@ -4295,7 +4277,7 @@
                       <m:sSubPr>
                         <m:ctrlPr>
                           <a:rPr lang="en-US" altLang="ja-JP" sz="1050" i="1" smtClean="0">
-                            <a:latin typeface="Cambria Math"/>
+                            <a:latin typeface="Cambria Math" panose="02040503050406030204" pitchFamily="18" charset="0"/>
                             <a:ea typeface="HG丸ｺﾞｼｯｸM-PRO" panose="020F0600000000000000" pitchFamily="50" charset="-128"/>
                           </a:rPr>
                         </m:ctrlPr>
@@ -4386,7 +4368,7 @@
                       <m:sSubPr>
                         <m:ctrlPr>
                           <a:rPr lang="en-US" altLang="ja-JP" sz="1050" i="1" smtClean="0">
-                            <a:latin typeface="Cambria Math"/>
+                            <a:latin typeface="Cambria Math" panose="02040503050406030204" pitchFamily="18" charset="0"/>
                             <a:ea typeface="HG丸ｺﾞｼｯｸM-PRO" panose="020F0600000000000000" pitchFamily="50" charset="-128"/>
                           </a:rPr>
                         </m:ctrlPr>
@@ -4423,14 +4405,7 @@
                     <a:latin typeface="HG丸ｺﾞｼｯｸM-PRO" panose="020F0600000000000000" pitchFamily="50" charset="-128"/>
                     <a:ea typeface="HG丸ｺﾞｼｯｸM-PRO" panose="020F0600000000000000" pitchFamily="50" charset="-128"/>
                   </a:rPr>
-                  <a:t>走行体の</a:t>
-                </a:r>
-                <a:r>
-                  <a:rPr lang="ja-JP" altLang="en-US" sz="1050" dirty="0" smtClean="0">
-                    <a:latin typeface="HG丸ｺﾞｼｯｸM-PRO" panose="020F0600000000000000" pitchFamily="50" charset="-128"/>
-                    <a:ea typeface="HG丸ｺﾞｼｯｸM-PRO" panose="020F0600000000000000" pitchFamily="50" charset="-128"/>
-                  </a:rPr>
-                  <a:t>座標（</a:t>
+                  <a:t>走行体の座標（</a:t>
                 </a:r>
                 <a:r>
                   <a:rPr lang="en-US" altLang="ja-JP" sz="1050" b="0" dirty="0" smtClean="0">
@@ -4548,35 +4523,7 @@
                     <a:latin typeface="HG丸ｺﾞｼｯｸM-PRO" panose="020F0600000000000000" pitchFamily="50" charset="-128"/>
                     <a:ea typeface="HG丸ｺﾞｼｯｸM-PRO" panose="020F0600000000000000" pitchFamily="50" charset="-128"/>
                   </a:rPr>
-                  <a:t>微小</a:t>
-                </a:r>
-                <a:r>
-                  <a:rPr lang="ja-JP" altLang="en-US" sz="1050" dirty="0" smtClean="0">
-                    <a:latin typeface="HG丸ｺﾞｼｯｸM-PRO" panose="020F0600000000000000" pitchFamily="50" charset="-128"/>
-                    <a:ea typeface="HG丸ｺﾞｼｯｸM-PRO" panose="020F0600000000000000" pitchFamily="50" charset="-128"/>
-                  </a:rPr>
-                  <a:t>時間での</a:t>
-                </a:r>
-                <a:r>
-                  <a:rPr lang="ja-JP" altLang="en-US" sz="1050" dirty="0" smtClean="0">
-                    <a:latin typeface="HG丸ｺﾞｼｯｸM-PRO" panose="020F0600000000000000" pitchFamily="50" charset="-128"/>
-                    <a:ea typeface="HG丸ｺﾞｼｯｸM-PRO" panose="020F0600000000000000" pitchFamily="50" charset="-128"/>
-                  </a:rPr>
-                  <a:t>機体の進行方向の</a:t>
-                </a:r>
-                <a:r>
-                  <a:rPr lang="ja-JP" altLang="en-US" sz="1050" dirty="0" smtClean="0">
-                    <a:latin typeface="HG丸ｺﾞｼｯｸM-PRO" panose="020F0600000000000000" pitchFamily="50" charset="-128"/>
-                    <a:ea typeface="HG丸ｺﾞｼｯｸM-PRO" panose="020F0600000000000000" pitchFamily="50" charset="-128"/>
-                  </a:rPr>
-                  <a:t>変化量</a:t>
-                </a:r>
-                <a:r>
-                  <a:rPr lang="ja-JP" altLang="en-US" sz="1050" dirty="0" smtClean="0">
-                    <a:latin typeface="HG丸ｺﾞｼｯｸM-PRO" panose="020F0600000000000000" pitchFamily="50" charset="-128"/>
-                    <a:ea typeface="HG丸ｺﾞｼｯｸM-PRO" panose="020F0600000000000000" pitchFamily="50" charset="-128"/>
-                  </a:rPr>
-                  <a:t>（</a:t>
+                  <a:t>微小時間での機体の進行方向の変化量（</a:t>
                 </a:r>
                 <a14:m>
                   <m:oMath xmlns:m="http://schemas.openxmlformats.org/officeDocument/2006/math">
@@ -4800,7 +4747,7 @@
             </p:txBody>
           </p:sp>
         </mc:Choice>
-        <mc:Fallback>
+        <mc:Fallback xmlns="">
           <p:sp>
             <p:nvSpPr>
               <p:cNvPr id="20" name="テキスト ボックス 19"/>
@@ -4941,8 +4888,8 @@
           </a:p>
         </p:txBody>
       </p:sp>
-      <mc:AlternateContent xmlns:mc="http://schemas.openxmlformats.org/markup-compatibility/2006">
-        <mc:Choice xmlns:a14="http://schemas.microsoft.com/office/drawing/2010/main" Requires="a14">
+      <mc:AlternateContent xmlns:mc="http://schemas.openxmlformats.org/markup-compatibility/2006" xmlns:a14="http://schemas.microsoft.com/office/drawing/2010/main">
+        <mc:Choice Requires="a14">
           <p:sp>
             <p:nvSpPr>
               <p:cNvPr id="23" name="テキスト ボックス 22"/>
@@ -4965,6 +4912,7 @@
               </a:bodyPr>
               <a:lstStyle/>
               <a:p>
+                <a:pPr/>
                 <a14:m>
                   <m:oMathPara xmlns:m="http://schemas.openxmlformats.org/officeDocument/2006/math">
                     <m:oMathParaPr>
@@ -4996,7 +4944,7 @@
             </p:txBody>
           </p:sp>
         </mc:Choice>
-        <mc:Fallback>
+        <mc:Fallback xmlns="">
           <p:sp>
             <p:nvSpPr>
               <p:cNvPr id="23" name="テキスト ボックス 22"/>
@@ -5205,8 +5153,8 @@
           </a:fontRef>
         </p:style>
       </p:cxnSp>
-      <mc:AlternateContent xmlns:mc="http://schemas.openxmlformats.org/markup-compatibility/2006">
-        <mc:Choice xmlns:a14="http://schemas.microsoft.com/office/drawing/2010/main" Requires="a14">
+      <mc:AlternateContent xmlns:mc="http://schemas.openxmlformats.org/markup-compatibility/2006" xmlns:a14="http://schemas.microsoft.com/office/drawing/2010/main">
+        <mc:Choice Requires="a14">
           <p:sp>
             <p:nvSpPr>
               <p:cNvPr id="46" name="テキスト ボックス 45"/>
@@ -5229,6 +5177,7 @@
               </a:bodyPr>
               <a:lstStyle/>
               <a:p>
+                <a:pPr/>
                 <a14:m>
                   <m:oMathPara xmlns:m="http://schemas.openxmlformats.org/officeDocument/2006/math">
                     <m:oMathParaPr>
@@ -5255,7 +5204,7 @@
             </p:txBody>
           </p:sp>
         </mc:Choice>
-        <mc:Fallback>
+        <mc:Fallback xmlns="">
           <p:sp>
             <p:nvSpPr>
               <p:cNvPr id="46" name="テキスト ボックス 45"/>
@@ -5294,8 +5243,8 @@
           </p:sp>
         </mc:Fallback>
       </mc:AlternateContent>
-      <mc:AlternateContent xmlns:mc="http://schemas.openxmlformats.org/markup-compatibility/2006">
-        <mc:Choice xmlns:a14="http://schemas.microsoft.com/office/drawing/2010/main" Requires="a14">
+      <mc:AlternateContent xmlns:mc="http://schemas.openxmlformats.org/markup-compatibility/2006" xmlns:a14="http://schemas.microsoft.com/office/drawing/2010/main">
+        <mc:Choice Requires="a14">
           <p:sp>
             <p:nvSpPr>
               <p:cNvPr id="47" name="テキスト ボックス 46"/>
@@ -5318,6 +5267,7 @@
               </a:bodyPr>
               <a:lstStyle/>
               <a:p>
+                <a:pPr/>
                 <a14:m>
                   <m:oMathPara xmlns:m="http://schemas.openxmlformats.org/officeDocument/2006/math">
                     <m:oMathParaPr>
@@ -5344,7 +5294,7 @@
             </p:txBody>
           </p:sp>
         </mc:Choice>
-        <mc:Fallback>
+        <mc:Fallback xmlns="">
           <p:sp>
             <p:nvSpPr>
               <p:cNvPr id="47" name="テキスト ボックス 46"/>
@@ -5493,8 +5443,8 @@
           </a:fontRef>
         </p:style>
       </p:cxnSp>
-      <mc:AlternateContent xmlns:mc="http://schemas.openxmlformats.org/markup-compatibility/2006">
-        <mc:Choice xmlns:a14="http://schemas.microsoft.com/office/drawing/2010/main" Requires="a14">
+      <mc:AlternateContent xmlns:mc="http://schemas.openxmlformats.org/markup-compatibility/2006" xmlns:a14="http://schemas.microsoft.com/office/drawing/2010/main">
+        <mc:Choice Requires="a14">
           <p:sp>
             <p:nvSpPr>
               <p:cNvPr id="66" name="テキスト ボックス 65"/>
@@ -5517,6 +5467,7 @@
               </a:bodyPr>
               <a:lstStyle/>
               <a:p>
+                <a:pPr/>
                 <a14:m>
                   <m:oMathPara xmlns:m="http://schemas.openxmlformats.org/officeDocument/2006/math">
                     <m:oMathParaPr>
@@ -5541,7 +5492,7 @@
                         <m:fPr>
                           <m:ctrlPr>
                             <a:rPr lang="en-US" altLang="ja-JP" sz="1050" b="0" i="1" smtClean="0">
-                              <a:latin typeface="Cambria Math"/>
+                              <a:latin typeface="Cambria Math" panose="02040503050406030204" pitchFamily="18" charset="0"/>
                               <a:ea typeface="Cambria Math"/>
                             </a:rPr>
                           </m:ctrlPr>
@@ -5551,7 +5502,7 @@
                             <m:sSubPr>
                               <m:ctrlPr>
                                 <a:rPr lang="en-US" altLang="ja-JP" sz="1050" i="1" smtClean="0">
-                                  <a:latin typeface="Cambria Math"/>
+                                  <a:latin typeface="Cambria Math" panose="02040503050406030204" pitchFamily="18" charset="0"/>
                                   <a:ea typeface="HG丸ｺﾞｼｯｸM-PRO" panose="020F0600000000000000" pitchFamily="50" charset="-128"/>
                                 </a:rPr>
                               </m:ctrlPr>
@@ -5579,7 +5530,7 @@
                             <m:dPr>
                               <m:ctrlPr>
                                 <a:rPr lang="en-US" altLang="ja-JP" sz="1050" b="0" i="1" smtClean="0">
-                                  <a:latin typeface="Cambria Math"/>
+                                  <a:latin typeface="Cambria Math" panose="02040503050406030204" pitchFamily="18" charset="0"/>
                                   <a:ea typeface="Cambria Math"/>
                                 </a:rPr>
                               </m:ctrlPr>
@@ -5596,7 +5547,7 @@
                                 <m:sSubPr>
                                   <m:ctrlPr>
                                     <a:rPr lang="en-US" altLang="ja-JP" sz="1050" b="0" i="1" smtClean="0">
-                                      <a:latin typeface="Cambria Math"/>
+                                      <a:latin typeface="Cambria Math" panose="02040503050406030204" pitchFamily="18" charset="0"/>
                                       <a:ea typeface="Cambria Math"/>
                                     </a:rPr>
                                   </m:ctrlPr>
@@ -5625,20 +5576,13 @@
                                   <a:latin typeface="Cambria Math"/>
                                   <a:ea typeface="Cambria Math"/>
                                 </a:rPr>
-                                <m:t>+</m:t>
-                              </m:r>
-                              <m:r>
-                                <a:rPr lang="en-US" altLang="ja-JP" sz="1050" b="0" i="1" smtClean="0">
-                                  <a:latin typeface="Cambria Math"/>
-                                  <a:ea typeface="Cambria Math"/>
-                                </a:rPr>
-                                <m:t>∆</m:t>
+                                <m:t>+∆</m:t>
                               </m:r>
                               <m:sSub>
                                 <m:sSubPr>
                                   <m:ctrlPr>
                                     <a:rPr lang="en-US" altLang="ja-JP" sz="1050" b="0" i="1" smtClean="0">
-                                      <a:latin typeface="Cambria Math"/>
+                                      <a:latin typeface="Cambria Math" panose="02040503050406030204" pitchFamily="18" charset="0"/>
                                       <a:ea typeface="Cambria Math"/>
                                     </a:rPr>
                                   </m:ctrlPr>
@@ -5677,7 +5621,7 @@
                             <m:sSubPr>
                               <m:ctrlPr>
                                 <a:rPr lang="en-US" altLang="ja-JP" sz="1050" i="1" smtClean="0">
-                                  <a:latin typeface="Cambria Math"/>
+                                  <a:latin typeface="Cambria Math" panose="02040503050406030204" pitchFamily="18" charset="0"/>
                                   <a:ea typeface="HG丸ｺﾞｼｯｸM-PRO" panose="020F0600000000000000" pitchFamily="50" charset="-128"/>
                                 </a:rPr>
                               </m:ctrlPr>
@@ -5719,7 +5663,7 @@
                             <m:sSubPr>
                               <m:ctrlPr>
                                 <a:rPr lang="en-US" altLang="ja-JP" sz="1050" i="1" smtClean="0">
-                                  <a:latin typeface="Cambria Math"/>
+                                  <a:latin typeface="Cambria Math" panose="02040503050406030204" pitchFamily="18" charset="0"/>
                                   <a:ea typeface="HG丸ｺﾞｼｯｸM-PRO" panose="020F0600000000000000" pitchFamily="50" charset="-128"/>
                                 </a:rPr>
                               </m:ctrlPr>
@@ -5756,7 +5700,7 @@
             </p:txBody>
           </p:sp>
         </mc:Choice>
-        <mc:Fallback>
+        <mc:Fallback xmlns="">
           <p:sp>
             <p:nvSpPr>
               <p:cNvPr id="66" name="テキスト ボックス 65"/>
@@ -5795,8 +5739,8 @@
           </p:sp>
         </mc:Fallback>
       </mc:AlternateContent>
-      <mc:AlternateContent xmlns:mc="http://schemas.openxmlformats.org/markup-compatibility/2006">
-        <mc:Choice xmlns:a14="http://schemas.microsoft.com/office/drawing/2010/main" Requires="a14">
+      <mc:AlternateContent xmlns:mc="http://schemas.openxmlformats.org/markup-compatibility/2006" xmlns:a14="http://schemas.microsoft.com/office/drawing/2010/main">
+        <mc:Choice Requires="a14">
           <p:sp>
             <p:nvSpPr>
               <p:cNvPr id="67" name="正方形/長方形 66"/>
@@ -5818,6 +5762,7 @@
               </a:bodyPr>
               <a:lstStyle/>
               <a:p>
+                <a:pPr/>
                 <a14:m>
                   <m:oMathPara xmlns:m="http://schemas.openxmlformats.org/officeDocument/2006/math">
                     <m:oMathParaPr>
@@ -5838,7 +5783,7 @@
             </p:txBody>
           </p:sp>
         </mc:Choice>
-        <mc:Fallback>
+        <mc:Fallback xmlns="">
           <p:sp>
             <p:nvSpPr>
               <p:cNvPr id="67" name="正方形/長方形 66"/>
@@ -5915,8 +5860,8 @@
           </a:p>
         </p:txBody>
       </p:sp>
-      <mc:AlternateContent xmlns:mc="http://schemas.openxmlformats.org/markup-compatibility/2006">
-        <mc:Choice xmlns:a14="http://schemas.microsoft.com/office/drawing/2010/main" Requires="a14">
+      <mc:AlternateContent xmlns:mc="http://schemas.openxmlformats.org/markup-compatibility/2006" xmlns:a14="http://schemas.microsoft.com/office/drawing/2010/main">
+        <mc:Choice Requires="a14">
           <p:sp>
             <p:nvSpPr>
               <p:cNvPr id="70" name="テキスト ボックス 69"/>
@@ -5939,6 +5884,7 @@
               </a:bodyPr>
               <a:lstStyle/>
               <a:p>
+                <a:pPr/>
                 <a14:m>
                   <m:oMathPara xmlns:m="http://schemas.openxmlformats.org/officeDocument/2006/math">
                     <m:oMathParaPr>
@@ -5970,7 +5916,7 @@
                         <m:fPr>
                           <m:ctrlPr>
                             <a:rPr lang="en-US" altLang="ja-JP" sz="1050" b="0" i="1" smtClean="0">
-                              <a:latin typeface="Cambria Math"/>
+                              <a:latin typeface="Cambria Math" panose="02040503050406030204" pitchFamily="18" charset="0"/>
                               <a:ea typeface="Cambria Math"/>
                             </a:rPr>
                           </m:ctrlPr>
@@ -5987,7 +5933,7 @@
                             <m:sSubPr>
                               <m:ctrlPr>
                                 <a:rPr lang="en-US" altLang="ja-JP" sz="1050" i="1" smtClean="0">
-                                  <a:latin typeface="Cambria Math"/>
+                                  <a:latin typeface="Cambria Math" panose="02040503050406030204" pitchFamily="18" charset="0"/>
                                   <a:ea typeface="HG丸ｺﾞｼｯｸM-PRO" panose="020F0600000000000000" pitchFamily="50" charset="-128"/>
                                 </a:rPr>
                               </m:ctrlPr>
@@ -6015,7 +5961,7 @@
                             <m:dPr>
                               <m:ctrlPr>
                                 <a:rPr lang="en-US" altLang="ja-JP" sz="1050" b="0" i="1" smtClean="0">
-                                  <a:latin typeface="Cambria Math"/>
+                                  <a:latin typeface="Cambria Math" panose="02040503050406030204" pitchFamily="18" charset="0"/>
                                   <a:ea typeface="Cambria Math"/>
                                 </a:rPr>
                               </m:ctrlPr>
@@ -6032,7 +5978,7 @@
                                 <m:sSubPr>
                                   <m:ctrlPr>
                                     <a:rPr lang="en-US" altLang="ja-JP" sz="1050" b="0" i="1" smtClean="0">
-                                      <a:latin typeface="Cambria Math"/>
+                                      <a:latin typeface="Cambria Math" panose="02040503050406030204" pitchFamily="18" charset="0"/>
                                       <a:ea typeface="Cambria Math"/>
                                     </a:rPr>
                                   </m:ctrlPr>
@@ -6061,20 +6007,13 @@
                                   <a:latin typeface="Cambria Math"/>
                                   <a:ea typeface="Cambria Math"/>
                                 </a:rPr>
-                                <m:t>−</m:t>
-                              </m:r>
-                              <m:r>
-                                <a:rPr lang="en-US" altLang="ja-JP" sz="1050" b="0" i="1" smtClean="0">
-                                  <a:latin typeface="Cambria Math"/>
-                                  <a:ea typeface="Cambria Math"/>
-                                </a:rPr>
-                                <m:t>∆</m:t>
+                                <m:t>−∆</m:t>
                               </m:r>
                               <m:sSub>
                                 <m:sSubPr>
                                   <m:ctrlPr>
                                     <a:rPr lang="en-US" altLang="ja-JP" sz="1050" b="0" i="1" smtClean="0">
-                                      <a:latin typeface="Cambria Math"/>
+                                      <a:latin typeface="Cambria Math" panose="02040503050406030204" pitchFamily="18" charset="0"/>
                                       <a:ea typeface="Cambria Math"/>
                                     </a:rPr>
                                   </m:ctrlPr>
@@ -6113,7 +6052,7 @@
                             <m:sSubPr>
                               <m:ctrlPr>
                                 <a:rPr lang="en-US" altLang="ja-JP" sz="1050" i="1" smtClean="0">
-                                  <a:latin typeface="Cambria Math"/>
+                                  <a:latin typeface="Cambria Math" panose="02040503050406030204" pitchFamily="18" charset="0"/>
                                   <a:ea typeface="HG丸ｺﾞｼｯｸM-PRO" panose="020F0600000000000000" pitchFamily="50" charset="-128"/>
                                 </a:rPr>
                               </m:ctrlPr>
@@ -6150,7 +6089,7 @@
             </p:txBody>
           </p:sp>
         </mc:Choice>
-        <mc:Fallback>
+        <mc:Fallback xmlns="">
           <p:sp>
             <p:nvSpPr>
               <p:cNvPr id="70" name="テキスト ボックス 69"/>
@@ -6189,8 +6128,8 @@
           </p:sp>
         </mc:Fallback>
       </mc:AlternateContent>
-      <mc:AlternateContent xmlns:mc="http://schemas.openxmlformats.org/markup-compatibility/2006">
-        <mc:Choice xmlns:a14="http://schemas.microsoft.com/office/drawing/2010/main" Requires="a14">
+      <mc:AlternateContent xmlns:mc="http://schemas.openxmlformats.org/markup-compatibility/2006" xmlns:a14="http://schemas.microsoft.com/office/drawing/2010/main">
+        <mc:Choice Requires="a14">
           <p:sp>
             <p:nvSpPr>
               <p:cNvPr id="71" name="正方形/長方形 70"/>
@@ -6212,6 +6151,7 @@
               </a:bodyPr>
               <a:lstStyle/>
               <a:p>
+                <a:pPr/>
                 <a14:m>
                   <m:oMathPara xmlns:m="http://schemas.openxmlformats.org/officeDocument/2006/math">
                     <m:oMathParaPr>
@@ -6229,7 +6169,7 @@
                         <m:sSubPr>
                           <m:ctrlPr>
                             <a:rPr lang="en-US" altLang="ja-JP" sz="800" i="1" smtClean="0">
-                              <a:latin typeface="Cambria Math"/>
+                              <a:latin typeface="Cambria Math" panose="02040503050406030204" pitchFamily="18" charset="0"/>
                               <a:ea typeface="HG丸ｺﾞｼｯｸM-PRO" panose="020F0600000000000000" pitchFamily="50" charset="-128"/>
                             </a:rPr>
                           </m:ctrlPr>
@@ -6261,7 +6201,7 @@
             </p:txBody>
           </p:sp>
         </mc:Choice>
-        <mc:Fallback>
+        <mc:Fallback xmlns="">
           <p:sp>
             <p:nvSpPr>
               <p:cNvPr id="71" name="正方形/長方形 70"/>
@@ -6410,8 +6350,8 @@
           </a:fontRef>
         </p:style>
       </p:cxnSp>
-      <mc:AlternateContent xmlns:mc="http://schemas.openxmlformats.org/markup-compatibility/2006">
-        <mc:Choice xmlns:a14="http://schemas.microsoft.com/office/drawing/2010/main" Requires="a14">
+      <mc:AlternateContent xmlns:mc="http://schemas.openxmlformats.org/markup-compatibility/2006" xmlns:a14="http://schemas.microsoft.com/office/drawing/2010/main">
+        <mc:Choice Requires="a14">
           <p:sp>
             <p:nvSpPr>
               <p:cNvPr id="83" name="テキスト ボックス 82"/>
@@ -6434,6 +6374,7 @@
               </a:bodyPr>
               <a:lstStyle/>
               <a:p>
+                <a:pPr/>
                 <a14:m>
                   <m:oMathPara xmlns:m="http://schemas.openxmlformats.org/officeDocument/2006/math">
                     <m:oMathParaPr>
@@ -6474,7 +6415,7 @@
                           <m:endChr m:val="}"/>
                           <m:ctrlPr>
                             <a:rPr lang="en-US" altLang="ja-JP" sz="1050" b="0" i="1" smtClean="0">
-                              <a:latin typeface="Cambria Math"/>
+                              <a:latin typeface="Cambria Math" panose="02040503050406030204" pitchFamily="18" charset="0"/>
                               <a:ea typeface="Cambria Math"/>
                             </a:rPr>
                           </m:ctrlPr>
@@ -6484,7 +6425,7 @@
                             <m:funcPr>
                               <m:ctrlPr>
                                 <a:rPr lang="en-US" altLang="ja-JP" sz="1050" b="0" i="1" smtClean="0">
-                                  <a:latin typeface="Cambria Math"/>
+                                  <a:latin typeface="Cambria Math" panose="02040503050406030204" pitchFamily="18" charset="0"/>
                                   <a:ea typeface="Cambria Math"/>
                                 </a:rPr>
                               </m:ctrlPr>
@@ -6506,7 +6447,7 @@
                                 <m:dPr>
                                   <m:ctrlPr>
                                     <a:rPr lang="en-US" altLang="ja-JP" sz="1050" b="0" i="1" smtClean="0">
-                                      <a:latin typeface="Cambria Math"/>
+                                      <a:latin typeface="Cambria Math" panose="02040503050406030204" pitchFamily="18" charset="0"/>
                                       <a:ea typeface="Cambria Math"/>
                                     </a:rPr>
                                   </m:ctrlPr>
@@ -6558,7 +6499,7 @@
                             <m:funcPr>
                               <m:ctrlPr>
                                 <a:rPr lang="en-US" altLang="ja-JP" sz="1050" b="0" i="1" smtClean="0">
-                                  <a:latin typeface="Cambria Math"/>
+                                  <a:latin typeface="Cambria Math" panose="02040503050406030204" pitchFamily="18" charset="0"/>
                                   <a:ea typeface="Cambria Math"/>
                                 </a:rPr>
                               </m:ctrlPr>
@@ -6623,7 +6564,7 @@
                           <m:endChr m:val="}"/>
                           <m:ctrlPr>
                             <a:rPr lang="en-US" altLang="ja-JP" sz="1050" b="0" i="1" smtClean="0">
-                              <a:latin typeface="Cambria Math"/>
+                              <a:latin typeface="Cambria Math" panose="02040503050406030204" pitchFamily="18" charset="0"/>
                               <a:ea typeface="Cambria Math"/>
                             </a:rPr>
                           </m:ctrlPr>
@@ -6633,7 +6574,7 @@
                             <m:funcPr>
                               <m:ctrlPr>
                                 <a:rPr lang="en-US" altLang="ja-JP" sz="1050" b="0" i="1" smtClean="0">
-                                  <a:latin typeface="Cambria Math"/>
+                                  <a:latin typeface="Cambria Math" panose="02040503050406030204" pitchFamily="18" charset="0"/>
                                   <a:ea typeface="Cambria Math"/>
                                 </a:rPr>
                               </m:ctrlPr>
@@ -6652,7 +6593,7 @@
                                 <m:dPr>
                                   <m:ctrlPr>
                                     <a:rPr lang="en-US" altLang="ja-JP" sz="1050" b="0" i="1" smtClean="0">
-                                      <a:latin typeface="Cambria Math"/>
+                                      <a:latin typeface="Cambria Math" panose="02040503050406030204" pitchFamily="18" charset="0"/>
                                       <a:ea typeface="Cambria Math"/>
                                     </a:rPr>
                                   </m:ctrlPr>
@@ -6704,7 +6645,7 @@
                             <m:funcPr>
                               <m:ctrlPr>
                                 <a:rPr lang="en-US" altLang="ja-JP" sz="1050" b="0" i="1" smtClean="0">
-                                  <a:latin typeface="Cambria Math"/>
+                                  <a:latin typeface="Cambria Math" panose="02040503050406030204" pitchFamily="18" charset="0"/>
                                   <a:ea typeface="Cambria Math"/>
                                 </a:rPr>
                               </m:ctrlPr>
@@ -6741,7 +6682,7 @@
             </p:txBody>
           </p:sp>
         </mc:Choice>
-        <mc:Fallback>
+        <mc:Fallback xmlns="">
           <p:sp>
             <p:nvSpPr>
               <p:cNvPr id="83" name="テキスト ボックス 82"/>
@@ -6848,6 +6789,2590 @@
     <p:extLst>
       <p:ext uri="{BB962C8B-B14F-4D97-AF65-F5344CB8AC3E}">
         <p14:creationId xmlns:p14="http://schemas.microsoft.com/office/powerpoint/2010/main" val="3008452166"/>
+      </p:ext>
+    </p:extLst>
+  </p:cSld>
+  <p:clrMapOvr>
+    <a:masterClrMapping/>
+  </p:clrMapOvr>
+</p:sld>
+</file>
+
+<file path=ppt/slides/slide2.xml><?xml version="1.0" encoding="utf-8"?>
+<p:sld xmlns:a="http://schemas.openxmlformats.org/drawingml/2006/main" xmlns:r="http://schemas.openxmlformats.org/officeDocument/2006/relationships" xmlns:p="http://schemas.openxmlformats.org/presentationml/2006/main">
+  <p:cSld>
+    <p:spTree>
+      <p:nvGrpSpPr>
+        <p:cNvPr id="1" name=""/>
+        <p:cNvGrpSpPr/>
+        <p:nvPr/>
+      </p:nvGrpSpPr>
+      <p:grpSpPr>
+        <a:xfrm>
+          <a:off x="0" y="0"/>
+          <a:ext cx="0" cy="0"/>
+          <a:chOff x="0" y="0"/>
+          <a:chExt cx="0" cy="0"/>
+        </a:xfrm>
+      </p:grpSpPr>
+      <p:grpSp>
+        <p:nvGrpSpPr>
+          <p:cNvPr id="5" name="グループ化 4"/>
+          <p:cNvGrpSpPr>
+            <a:grpSpLocks noChangeAspect="1"/>
+          </p:cNvGrpSpPr>
+          <p:nvPr/>
+        </p:nvGrpSpPr>
+        <p:grpSpPr>
+          <a:xfrm>
+            <a:off x="2193830" y="1359657"/>
+            <a:ext cx="3437732" cy="3527142"/>
+            <a:chOff x="5764393" y="5075633"/>
+            <a:chExt cx="4890568" cy="5017764"/>
+          </a:xfrm>
+        </p:grpSpPr>
+        <p:sp>
+          <p:nvSpPr>
+            <p:cNvPr id="6" name="円弧 5"/>
+            <p:cNvSpPr>
+              <a:spLocks noChangeAspect="1"/>
+            </p:cNvSpPr>
+            <p:nvPr/>
+          </p:nvSpPr>
+          <p:spPr>
+            <a:xfrm>
+              <a:off x="5764393" y="5202241"/>
+              <a:ext cx="4890568" cy="4891156"/>
+            </a:xfrm>
+            <a:prstGeom prst="arc">
+              <a:avLst>
+                <a:gd name="adj1" fmla="val 12522286"/>
+                <a:gd name="adj2" fmla="val 14896127"/>
+              </a:avLst>
+            </a:prstGeom>
+            <a:ln w="19050">
+              <a:solidFill>
+                <a:schemeClr val="tx1"/>
+              </a:solidFill>
+              <a:prstDash val="solid"/>
+            </a:ln>
+          </p:spPr>
+          <p:style>
+            <a:lnRef idx="1">
+              <a:schemeClr val="accent1"/>
+            </a:lnRef>
+            <a:fillRef idx="0">
+              <a:schemeClr val="accent1"/>
+            </a:fillRef>
+            <a:effectRef idx="0">
+              <a:schemeClr val="accent1"/>
+            </a:effectRef>
+            <a:fontRef idx="minor">
+              <a:schemeClr val="tx1"/>
+            </a:fontRef>
+          </p:style>
+          <p:txBody>
+            <a:bodyPr rtlCol="0" anchor="ctr"/>
+            <a:lstStyle/>
+            <a:p>
+              <a:pPr algn="ctr"/>
+              <a:endParaRPr kumimoji="1" lang="ja-JP" altLang="en-US"/>
+            </a:p>
+          </p:txBody>
+        </p:sp>
+        <p:grpSp>
+          <p:nvGrpSpPr>
+            <p:cNvPr id="7" name="グループ化 6"/>
+            <p:cNvGrpSpPr/>
+            <p:nvPr/>
+          </p:nvGrpSpPr>
+          <p:grpSpPr>
+            <a:xfrm rot="3857177">
+              <a:off x="6778161" y="5238045"/>
+              <a:ext cx="737632" cy="412808"/>
+              <a:chOff x="7585665" y="2266306"/>
+              <a:chExt cx="737632" cy="412808"/>
+            </a:xfrm>
+          </p:grpSpPr>
+          <p:sp>
+            <p:nvSpPr>
+              <p:cNvPr id="14" name="角丸四角形 13"/>
+              <p:cNvSpPr/>
+              <p:nvPr/>
+            </p:nvSpPr>
+            <p:spPr>
+              <a:xfrm>
+                <a:off x="7585665" y="2266306"/>
+                <a:ext cx="102120" cy="403990"/>
+              </a:xfrm>
+              <a:prstGeom prst="roundRect">
+                <a:avLst>
+                  <a:gd name="adj" fmla="val 50000"/>
+                </a:avLst>
+              </a:prstGeom>
+              <a:solidFill>
+                <a:schemeClr val="bg2">
+                  <a:lumMod val="50000"/>
+                </a:schemeClr>
+              </a:solidFill>
+              <a:ln>
+                <a:solidFill>
+                  <a:schemeClr val="tx1"/>
+                </a:solidFill>
+              </a:ln>
+            </p:spPr>
+            <p:style>
+              <a:lnRef idx="2">
+                <a:schemeClr val="accent1">
+                  <a:shade val="50000"/>
+                </a:schemeClr>
+              </a:lnRef>
+              <a:fillRef idx="1">
+                <a:schemeClr val="accent1"/>
+              </a:fillRef>
+              <a:effectRef idx="0">
+                <a:schemeClr val="accent1"/>
+              </a:effectRef>
+              <a:fontRef idx="minor">
+                <a:schemeClr val="lt1"/>
+              </a:fontRef>
+            </p:style>
+            <p:txBody>
+              <a:bodyPr rtlCol="0" anchor="ctr"/>
+              <a:lstStyle/>
+              <a:p>
+                <a:pPr algn="ctr"/>
+                <a:endParaRPr kumimoji="1" lang="ja-JP" altLang="en-US" dirty="0">
+                  <a:latin typeface="HG丸ｺﾞｼｯｸM-PRO" panose="020F0600000000000000" pitchFamily="50" charset="-128"/>
+                  <a:ea typeface="HG丸ｺﾞｼｯｸM-PRO" panose="020F0600000000000000" pitchFamily="50" charset="-128"/>
+                </a:endParaRPr>
+              </a:p>
+            </p:txBody>
+          </p:sp>
+          <p:sp>
+            <p:nvSpPr>
+              <p:cNvPr id="15" name="角丸四角形 14"/>
+              <p:cNvSpPr/>
+              <p:nvPr/>
+            </p:nvSpPr>
+            <p:spPr>
+              <a:xfrm>
+                <a:off x="8221177" y="2275124"/>
+                <a:ext cx="102120" cy="403990"/>
+              </a:xfrm>
+              <a:prstGeom prst="roundRect">
+                <a:avLst>
+                  <a:gd name="adj" fmla="val 50000"/>
+                </a:avLst>
+              </a:prstGeom>
+              <a:solidFill>
+                <a:schemeClr val="bg2">
+                  <a:lumMod val="50000"/>
+                </a:schemeClr>
+              </a:solidFill>
+              <a:ln>
+                <a:solidFill>
+                  <a:schemeClr val="tx1"/>
+                </a:solidFill>
+              </a:ln>
+            </p:spPr>
+            <p:style>
+              <a:lnRef idx="2">
+                <a:schemeClr val="accent1">
+                  <a:shade val="50000"/>
+                </a:schemeClr>
+              </a:lnRef>
+              <a:fillRef idx="1">
+                <a:schemeClr val="accent1"/>
+              </a:fillRef>
+              <a:effectRef idx="0">
+                <a:schemeClr val="accent1"/>
+              </a:effectRef>
+              <a:fontRef idx="minor">
+                <a:schemeClr val="lt1"/>
+              </a:fontRef>
+            </p:style>
+            <p:txBody>
+              <a:bodyPr rtlCol="0" anchor="ctr"/>
+              <a:lstStyle/>
+              <a:p>
+                <a:pPr algn="ctr"/>
+                <a:endParaRPr kumimoji="1" lang="ja-JP" altLang="en-US" dirty="0">
+                  <a:latin typeface="HG丸ｺﾞｼｯｸM-PRO" panose="020F0600000000000000" pitchFamily="50" charset="-128"/>
+                  <a:ea typeface="HG丸ｺﾞｼｯｸM-PRO" panose="020F0600000000000000" pitchFamily="50" charset="-128"/>
+                </a:endParaRPr>
+              </a:p>
+            </p:txBody>
+          </p:sp>
+          <p:sp>
+            <p:nvSpPr>
+              <p:cNvPr id="16" name="正方形/長方形 15"/>
+              <p:cNvSpPr/>
+              <p:nvPr/>
+            </p:nvSpPr>
+            <p:spPr>
+              <a:xfrm>
+                <a:off x="7681436" y="2447194"/>
+                <a:ext cx="535374" cy="45719"/>
+              </a:xfrm>
+              <a:prstGeom prst="rect">
+                <a:avLst/>
+              </a:prstGeom>
+              <a:solidFill>
+                <a:schemeClr val="accent1">
+                  <a:lumMod val="20000"/>
+                  <a:lumOff val="80000"/>
+                </a:schemeClr>
+              </a:solidFill>
+              <a:ln w="12700">
+                <a:solidFill>
+                  <a:schemeClr val="tx1">
+                    <a:lumMod val="75000"/>
+                    <a:lumOff val="25000"/>
+                  </a:schemeClr>
+                </a:solidFill>
+              </a:ln>
+            </p:spPr>
+            <p:style>
+              <a:lnRef idx="2">
+                <a:schemeClr val="accent1">
+                  <a:shade val="50000"/>
+                </a:schemeClr>
+              </a:lnRef>
+              <a:fillRef idx="1">
+                <a:schemeClr val="accent1"/>
+              </a:fillRef>
+              <a:effectRef idx="0">
+                <a:schemeClr val="accent1"/>
+              </a:effectRef>
+              <a:fontRef idx="minor">
+                <a:schemeClr val="lt1"/>
+              </a:fontRef>
+            </p:style>
+            <p:txBody>
+              <a:bodyPr rtlCol="0" anchor="ctr"/>
+              <a:lstStyle/>
+              <a:p>
+                <a:pPr algn="ctr"/>
+                <a:endParaRPr kumimoji="1" lang="ja-JP" altLang="en-US" dirty="0">
+                  <a:latin typeface="HG丸ｺﾞｼｯｸM-PRO" panose="020F0600000000000000" pitchFamily="50" charset="-128"/>
+                  <a:ea typeface="HG丸ｺﾞｼｯｸM-PRO" panose="020F0600000000000000" pitchFamily="50" charset="-128"/>
+                </a:endParaRPr>
+              </a:p>
+            </p:txBody>
+          </p:sp>
+        </p:grpSp>
+        <p:grpSp>
+          <p:nvGrpSpPr>
+            <p:cNvPr id="8" name="グループ化 7"/>
+            <p:cNvGrpSpPr/>
+            <p:nvPr/>
+          </p:nvGrpSpPr>
+          <p:grpSpPr>
+            <a:xfrm rot="2053306">
+              <a:off x="5796198" y="6058372"/>
+              <a:ext cx="737632" cy="412808"/>
+              <a:chOff x="7585665" y="2266306"/>
+              <a:chExt cx="737632" cy="412808"/>
+            </a:xfrm>
+          </p:grpSpPr>
+          <p:sp>
+            <p:nvSpPr>
+              <p:cNvPr id="11" name="角丸四角形 10"/>
+              <p:cNvSpPr/>
+              <p:nvPr/>
+            </p:nvSpPr>
+            <p:spPr>
+              <a:xfrm>
+                <a:off x="7585665" y="2266306"/>
+                <a:ext cx="102120" cy="403990"/>
+              </a:xfrm>
+              <a:prstGeom prst="roundRect">
+                <a:avLst>
+                  <a:gd name="adj" fmla="val 50000"/>
+                </a:avLst>
+              </a:prstGeom>
+              <a:solidFill>
+                <a:schemeClr val="bg2">
+                  <a:lumMod val="50000"/>
+                </a:schemeClr>
+              </a:solidFill>
+              <a:ln>
+                <a:solidFill>
+                  <a:schemeClr val="tx1"/>
+                </a:solidFill>
+              </a:ln>
+            </p:spPr>
+            <p:style>
+              <a:lnRef idx="2">
+                <a:schemeClr val="accent1">
+                  <a:shade val="50000"/>
+                </a:schemeClr>
+              </a:lnRef>
+              <a:fillRef idx="1">
+                <a:schemeClr val="accent1"/>
+              </a:fillRef>
+              <a:effectRef idx="0">
+                <a:schemeClr val="accent1"/>
+              </a:effectRef>
+              <a:fontRef idx="minor">
+                <a:schemeClr val="lt1"/>
+              </a:fontRef>
+            </p:style>
+            <p:txBody>
+              <a:bodyPr rtlCol="0" anchor="ctr"/>
+              <a:lstStyle/>
+              <a:p>
+                <a:pPr algn="ctr"/>
+                <a:endParaRPr kumimoji="1" lang="ja-JP" altLang="en-US" dirty="0">
+                  <a:latin typeface="HG丸ｺﾞｼｯｸM-PRO" panose="020F0600000000000000" pitchFamily="50" charset="-128"/>
+                  <a:ea typeface="HG丸ｺﾞｼｯｸM-PRO" panose="020F0600000000000000" pitchFamily="50" charset="-128"/>
+                </a:endParaRPr>
+              </a:p>
+            </p:txBody>
+          </p:sp>
+          <p:sp>
+            <p:nvSpPr>
+              <p:cNvPr id="12" name="角丸四角形 11"/>
+              <p:cNvSpPr/>
+              <p:nvPr/>
+            </p:nvSpPr>
+            <p:spPr>
+              <a:xfrm>
+                <a:off x="8221177" y="2275124"/>
+                <a:ext cx="102120" cy="403990"/>
+              </a:xfrm>
+              <a:prstGeom prst="roundRect">
+                <a:avLst>
+                  <a:gd name="adj" fmla="val 50000"/>
+                </a:avLst>
+              </a:prstGeom>
+              <a:solidFill>
+                <a:schemeClr val="bg2">
+                  <a:lumMod val="50000"/>
+                </a:schemeClr>
+              </a:solidFill>
+              <a:ln>
+                <a:solidFill>
+                  <a:schemeClr val="tx1"/>
+                </a:solidFill>
+              </a:ln>
+            </p:spPr>
+            <p:style>
+              <a:lnRef idx="2">
+                <a:schemeClr val="accent1">
+                  <a:shade val="50000"/>
+                </a:schemeClr>
+              </a:lnRef>
+              <a:fillRef idx="1">
+                <a:schemeClr val="accent1"/>
+              </a:fillRef>
+              <a:effectRef idx="0">
+                <a:schemeClr val="accent1"/>
+              </a:effectRef>
+              <a:fontRef idx="minor">
+                <a:schemeClr val="lt1"/>
+              </a:fontRef>
+            </p:style>
+            <p:txBody>
+              <a:bodyPr rtlCol="0" anchor="ctr"/>
+              <a:lstStyle/>
+              <a:p>
+                <a:pPr algn="ctr"/>
+                <a:endParaRPr kumimoji="1" lang="ja-JP" altLang="en-US" dirty="0">
+                  <a:latin typeface="HG丸ｺﾞｼｯｸM-PRO" panose="020F0600000000000000" pitchFamily="50" charset="-128"/>
+                  <a:ea typeface="HG丸ｺﾞｼｯｸM-PRO" panose="020F0600000000000000" pitchFamily="50" charset="-128"/>
+                </a:endParaRPr>
+              </a:p>
+            </p:txBody>
+          </p:sp>
+          <p:sp>
+            <p:nvSpPr>
+              <p:cNvPr id="13" name="正方形/長方形 12"/>
+              <p:cNvSpPr/>
+              <p:nvPr/>
+            </p:nvSpPr>
+            <p:spPr>
+              <a:xfrm>
+                <a:off x="7681437" y="2447194"/>
+                <a:ext cx="544847" cy="57104"/>
+              </a:xfrm>
+              <a:prstGeom prst="rect">
+                <a:avLst/>
+              </a:prstGeom>
+              <a:solidFill>
+                <a:schemeClr val="accent1">
+                  <a:lumMod val="20000"/>
+                  <a:lumOff val="80000"/>
+                </a:schemeClr>
+              </a:solidFill>
+              <a:ln w="12700">
+                <a:solidFill>
+                  <a:schemeClr val="tx1">
+                    <a:lumMod val="75000"/>
+                    <a:lumOff val="25000"/>
+                  </a:schemeClr>
+                </a:solidFill>
+              </a:ln>
+            </p:spPr>
+            <p:style>
+              <a:lnRef idx="2">
+                <a:schemeClr val="accent1">
+                  <a:shade val="50000"/>
+                </a:schemeClr>
+              </a:lnRef>
+              <a:fillRef idx="1">
+                <a:schemeClr val="accent1"/>
+              </a:fillRef>
+              <a:effectRef idx="0">
+                <a:schemeClr val="accent1"/>
+              </a:effectRef>
+              <a:fontRef idx="minor">
+                <a:schemeClr val="lt1"/>
+              </a:fontRef>
+            </p:style>
+            <p:txBody>
+              <a:bodyPr rtlCol="0" anchor="ctr"/>
+              <a:lstStyle/>
+              <a:p>
+                <a:pPr algn="ctr"/>
+                <a:endParaRPr kumimoji="1" lang="ja-JP" altLang="en-US" dirty="0">
+                  <a:latin typeface="HG丸ｺﾞｼｯｸM-PRO" panose="020F0600000000000000" pitchFamily="50" charset="-128"/>
+                  <a:ea typeface="HG丸ｺﾞｼｯｸM-PRO" panose="020F0600000000000000" pitchFamily="50" charset="-128"/>
+                </a:endParaRPr>
+              </a:p>
+            </p:txBody>
+          </p:sp>
+        </p:grpSp>
+        <p:cxnSp>
+          <p:nvCxnSpPr>
+            <p:cNvPr id="9" name="直線コネクタ 8"/>
+            <p:cNvCxnSpPr>
+              <a:stCxn id="23" idx="1"/>
+            </p:cNvCxnSpPr>
+            <p:nvPr/>
+          </p:nvCxnSpPr>
+          <p:spPr>
+            <a:xfrm>
+              <a:off x="7133987" y="5409112"/>
+              <a:ext cx="1043141" cy="2232821"/>
+            </a:xfrm>
+            <a:prstGeom prst="line">
+              <a:avLst/>
+            </a:prstGeom>
+            <a:ln w="12700">
+              <a:solidFill>
+                <a:schemeClr val="tx1"/>
+              </a:solidFill>
+              <a:prstDash val="sysDash"/>
+            </a:ln>
+          </p:spPr>
+          <p:style>
+            <a:lnRef idx="1">
+              <a:schemeClr val="accent1"/>
+            </a:lnRef>
+            <a:fillRef idx="0">
+              <a:schemeClr val="accent1"/>
+            </a:fillRef>
+            <a:effectRef idx="0">
+              <a:schemeClr val="accent1"/>
+            </a:effectRef>
+            <a:fontRef idx="minor">
+              <a:schemeClr val="tx1"/>
+            </a:fontRef>
+          </p:style>
+        </p:cxnSp>
+        <p:cxnSp>
+          <p:nvCxnSpPr>
+            <p:cNvPr id="10" name="直線コネクタ 9"/>
+            <p:cNvCxnSpPr>
+              <a:stCxn id="22" idx="3"/>
+            </p:cNvCxnSpPr>
+            <p:nvPr/>
+          </p:nvCxnSpPr>
+          <p:spPr>
+            <a:xfrm>
+              <a:off x="6158245" y="6264868"/>
+              <a:ext cx="2018882" cy="1382951"/>
+            </a:xfrm>
+            <a:prstGeom prst="line">
+              <a:avLst/>
+            </a:prstGeom>
+            <a:ln w="12700">
+              <a:solidFill>
+                <a:schemeClr val="tx1"/>
+              </a:solidFill>
+              <a:prstDash val="sysDash"/>
+            </a:ln>
+          </p:spPr>
+          <p:style>
+            <a:lnRef idx="1">
+              <a:schemeClr val="accent1"/>
+            </a:lnRef>
+            <a:fillRef idx="0">
+              <a:schemeClr val="accent1"/>
+            </a:fillRef>
+            <a:effectRef idx="0">
+              <a:schemeClr val="accent1"/>
+            </a:effectRef>
+            <a:fontRef idx="minor">
+              <a:schemeClr val="tx1"/>
+            </a:fontRef>
+          </p:style>
+        </p:cxnSp>
+      </p:grpSp>
+      <p:sp>
+        <p:nvSpPr>
+          <p:cNvPr id="17" name="円弧 16"/>
+          <p:cNvSpPr>
+            <a:spLocks noChangeAspect="1"/>
+          </p:cNvSpPr>
+          <p:nvPr/>
+        </p:nvSpPr>
+        <p:spPr>
+          <a:xfrm rot="4574878">
+            <a:off x="3645744" y="2907387"/>
+            <a:ext cx="334120" cy="334160"/>
+          </a:xfrm>
+          <a:prstGeom prst="arc">
+            <a:avLst>
+              <a:gd name="adj1" fmla="val 7753775"/>
+              <a:gd name="adj2" fmla="val 10981213"/>
+            </a:avLst>
+          </a:prstGeom>
+          <a:ln w="19050">
+            <a:solidFill>
+              <a:schemeClr val="tx1"/>
+            </a:solidFill>
+            <a:prstDash val="solid"/>
+          </a:ln>
+        </p:spPr>
+        <p:style>
+          <a:lnRef idx="1">
+            <a:schemeClr val="accent1"/>
+          </a:lnRef>
+          <a:fillRef idx="0">
+            <a:schemeClr val="accent1"/>
+          </a:fillRef>
+          <a:effectRef idx="0">
+            <a:schemeClr val="accent1"/>
+          </a:effectRef>
+          <a:fontRef idx="minor">
+            <a:schemeClr val="tx1"/>
+          </a:fontRef>
+        </p:style>
+        <p:txBody>
+          <a:bodyPr rtlCol="0" anchor="ctr"/>
+          <a:lstStyle/>
+          <a:p>
+            <a:pPr algn="ctr"/>
+            <a:endParaRPr kumimoji="1" lang="ja-JP" altLang="en-US"/>
+          </a:p>
+        </p:txBody>
+      </p:sp>
+      <p:sp>
+        <p:nvSpPr>
+          <p:cNvPr id="18" name="円弧 17"/>
+          <p:cNvSpPr>
+            <a:spLocks noChangeAspect="1"/>
+          </p:cNvSpPr>
+          <p:nvPr/>
+        </p:nvSpPr>
+        <p:spPr>
+          <a:xfrm>
+            <a:off x="2346230" y="1601054"/>
+            <a:ext cx="3437732" cy="3438145"/>
+          </a:xfrm>
+          <a:prstGeom prst="arc">
+            <a:avLst>
+              <a:gd name="adj1" fmla="val 12922278"/>
+              <a:gd name="adj2" fmla="val 14485159"/>
+            </a:avLst>
+          </a:prstGeom>
+          <a:ln w="19050">
+            <a:solidFill>
+              <a:srgbClr val="FF0000"/>
+            </a:solidFill>
+            <a:prstDash val="solid"/>
+            <a:headEnd type="triangle" w="med" len="med"/>
+            <a:tailEnd type="none" w="med" len="med"/>
+          </a:ln>
+        </p:spPr>
+        <p:style>
+          <a:lnRef idx="1">
+            <a:schemeClr val="accent1"/>
+          </a:lnRef>
+          <a:fillRef idx="0">
+            <a:schemeClr val="accent1"/>
+          </a:fillRef>
+          <a:effectRef idx="0">
+            <a:schemeClr val="accent1"/>
+          </a:effectRef>
+          <a:fontRef idx="minor">
+            <a:schemeClr val="tx1"/>
+          </a:fontRef>
+        </p:style>
+        <p:txBody>
+          <a:bodyPr rtlCol="0" anchor="ctr"/>
+          <a:lstStyle/>
+          <a:p>
+            <a:pPr algn="ctr"/>
+            <a:endParaRPr kumimoji="1" lang="ja-JP" altLang="en-US"/>
+          </a:p>
+        </p:txBody>
+      </p:sp>
+      <p:sp>
+        <p:nvSpPr>
+          <p:cNvPr id="19" name="円弧 18"/>
+          <p:cNvSpPr>
+            <a:spLocks noChangeAspect="1"/>
+          </p:cNvSpPr>
+          <p:nvPr/>
+        </p:nvSpPr>
+        <p:spPr>
+          <a:xfrm>
+            <a:off x="1963710" y="1203840"/>
+            <a:ext cx="3972652" cy="3973129"/>
+          </a:xfrm>
+          <a:prstGeom prst="arc">
+            <a:avLst>
+              <a:gd name="adj1" fmla="val 12837570"/>
+              <a:gd name="adj2" fmla="val 14621218"/>
+            </a:avLst>
+          </a:prstGeom>
+          <a:ln w="19050">
+            <a:solidFill>
+              <a:srgbClr val="0066FF"/>
+            </a:solidFill>
+            <a:prstDash val="solid"/>
+            <a:headEnd type="triangle" w="med" len="med"/>
+            <a:tailEnd type="none" w="med" len="med"/>
+          </a:ln>
+        </p:spPr>
+        <p:style>
+          <a:lnRef idx="1">
+            <a:schemeClr val="accent1"/>
+          </a:lnRef>
+          <a:fillRef idx="0">
+            <a:schemeClr val="accent1"/>
+          </a:fillRef>
+          <a:effectRef idx="0">
+            <a:schemeClr val="accent1"/>
+          </a:effectRef>
+          <a:fontRef idx="minor">
+            <a:schemeClr val="tx1"/>
+          </a:fontRef>
+        </p:style>
+        <p:txBody>
+          <a:bodyPr rtlCol="0" anchor="ctr"/>
+          <a:lstStyle/>
+          <a:p>
+            <a:pPr algn="ctr"/>
+            <a:endParaRPr kumimoji="1" lang="ja-JP" altLang="en-US"/>
+          </a:p>
+        </p:txBody>
+      </p:sp>
+      <mc:AlternateContent xmlns:mc="http://schemas.openxmlformats.org/markup-compatibility/2006">
+        <mc:Choice xmlns:a14="http://schemas.microsoft.com/office/drawing/2010/main" Requires="a14">
+          <p:sp>
+            <p:nvSpPr>
+              <p:cNvPr id="20" name="テキスト ボックス 19"/>
+              <p:cNvSpPr txBox="1"/>
+              <p:nvPr/>
+            </p:nvSpPr>
+            <p:spPr>
+              <a:xfrm>
+                <a:off x="3414897" y="2706775"/>
+                <a:ext cx="398819" cy="215431"/>
+              </a:xfrm>
+              <a:prstGeom prst="rect">
+                <a:avLst/>
+              </a:prstGeom>
+              <a:noFill/>
+            </p:spPr>
+            <p:txBody>
+              <a:bodyPr wrap="square" lIns="91428" tIns="45714" rIns="91428" bIns="45714" rtlCol="0">
+                <a:spAutoFit/>
+              </a:bodyPr>
+              <a:lstStyle/>
+              <a:p>
+                <a:pPr/>
+                <a14:m>
+                  <m:oMathPara xmlns:m="http://schemas.openxmlformats.org/officeDocument/2006/math">
+                    <m:oMathParaPr>
+                      <m:jc m:val="centerGroup"/>
+                    </m:oMathParaPr>
+                    <m:oMath xmlns:m="http://schemas.openxmlformats.org/officeDocument/2006/math">
+                      <m:r>
+                        <a:rPr lang="ja-JP" altLang="en-US" sz="800" i="1" smtClean="0">
+                          <a:latin typeface="Cambria Math"/>
+                          <a:ea typeface="HG丸ｺﾞｼｯｸM-PRO" panose="020F0600000000000000" pitchFamily="50" charset="-128"/>
+                        </a:rPr>
+                        <m:t>∆</m:t>
+                      </m:r>
+                      <m:r>
+                        <a:rPr lang="ja-JP" altLang="en-US" sz="800" i="1" smtClean="0">
+                          <a:latin typeface="Cambria Math"/>
+                          <a:ea typeface="HG丸ｺﾞｼｯｸM-PRO" panose="020F0600000000000000" pitchFamily="50" charset="-128"/>
+                        </a:rPr>
+                        <m:t>𝜃</m:t>
+                      </m:r>
+                    </m:oMath>
+                  </m:oMathPara>
+                </a14:m>
+                <a:endParaRPr lang="ja-JP" altLang="en-US" sz="800" dirty="0">
+                  <a:latin typeface="HG丸ｺﾞｼｯｸM-PRO" panose="020F0600000000000000" pitchFamily="50" charset="-128"/>
+                  <a:ea typeface="HG丸ｺﾞｼｯｸM-PRO" panose="020F0600000000000000" pitchFamily="50" charset="-128"/>
+                </a:endParaRPr>
+              </a:p>
+            </p:txBody>
+          </p:sp>
+        </mc:Choice>
+        <mc:Fallback>
+          <p:sp>
+            <p:nvSpPr>
+              <p:cNvPr id="20" name="テキスト ボックス 19"/>
+              <p:cNvSpPr txBox="1">
+                <a:spLocks noRot="1" noChangeAspect="1" noMove="1" noResize="1" noEditPoints="1" noAdjustHandles="1" noChangeArrowheads="1" noChangeShapeType="1" noTextEdit="1"/>
+              </p:cNvSpPr>
+              <p:nvPr/>
+            </p:nvSpPr>
+            <p:spPr>
+              <a:xfrm>
+                <a:off x="3414897" y="2706775"/>
+                <a:ext cx="398819" cy="215431"/>
+              </a:xfrm>
+              <a:prstGeom prst="rect">
+                <a:avLst/>
+              </a:prstGeom>
+              <a:blipFill rotWithShape="0">
+                <a:blip r:embed="rId2"/>
+                <a:stretch>
+                  <a:fillRect/>
+                </a:stretch>
+              </a:blipFill>
+            </p:spPr>
+            <p:txBody>
+              <a:bodyPr/>
+              <a:lstStyle/>
+              <a:p>
+                <a:r>
+                  <a:rPr lang="ja-JP" altLang="en-US">
+                    <a:noFill/>
+                  </a:rPr>
+                  <a:t> </a:t>
+                </a:r>
+              </a:p>
+            </p:txBody>
+          </p:sp>
+        </mc:Fallback>
+      </mc:AlternateContent>
+      <p:cxnSp>
+        <p:nvCxnSpPr>
+          <p:cNvPr id="21" name="直線矢印コネクタ 20"/>
+          <p:cNvCxnSpPr/>
+          <p:nvPr/>
+        </p:nvCxnSpPr>
+        <p:spPr>
+          <a:xfrm flipH="1">
+            <a:off x="2505288" y="2204864"/>
+            <a:ext cx="648000" cy="0"/>
+          </a:xfrm>
+          <a:prstGeom prst="straightConnector1">
+            <a:avLst/>
+          </a:prstGeom>
+          <a:ln w="12700">
+            <a:solidFill>
+              <a:schemeClr val="tx1"/>
+            </a:solidFill>
+            <a:prstDash val="sysDot"/>
+            <a:tailEnd type="arrow" w="sm" len="med"/>
+          </a:ln>
+        </p:spPr>
+        <p:style>
+          <a:lnRef idx="1">
+            <a:schemeClr val="accent1"/>
+          </a:lnRef>
+          <a:fillRef idx="0">
+            <a:schemeClr val="accent1"/>
+          </a:fillRef>
+          <a:effectRef idx="0">
+            <a:schemeClr val="accent1"/>
+          </a:effectRef>
+          <a:fontRef idx="minor">
+            <a:schemeClr val="tx1"/>
+          </a:fontRef>
+        </p:style>
+      </p:cxnSp>
+      <p:sp>
+        <p:nvSpPr>
+          <p:cNvPr id="22" name="円/楕円 21"/>
+          <p:cNvSpPr>
+            <a:spLocks noChangeAspect="1"/>
+          </p:cNvSpPr>
+          <p:nvPr/>
+        </p:nvSpPr>
+        <p:spPr>
+          <a:xfrm rot="4500000">
+            <a:off x="2467066" y="2182104"/>
+            <a:ext cx="54000" cy="54006"/>
+          </a:xfrm>
+          <a:prstGeom prst="ellipse">
+            <a:avLst/>
+          </a:prstGeom>
+          <a:solidFill>
+            <a:schemeClr val="tx1"/>
+          </a:solidFill>
+          <a:ln>
+            <a:noFill/>
+          </a:ln>
+        </p:spPr>
+        <p:style>
+          <a:lnRef idx="2">
+            <a:schemeClr val="accent1">
+              <a:shade val="50000"/>
+            </a:schemeClr>
+          </a:lnRef>
+          <a:fillRef idx="1">
+            <a:schemeClr val="accent1"/>
+          </a:fillRef>
+          <a:effectRef idx="0">
+            <a:schemeClr val="accent1"/>
+          </a:effectRef>
+          <a:fontRef idx="minor">
+            <a:schemeClr val="lt1"/>
+          </a:fontRef>
+        </p:style>
+        <p:txBody>
+          <a:bodyPr rtlCol="0" anchor="ctr"/>
+          <a:lstStyle/>
+          <a:p>
+            <a:pPr algn="ctr"/>
+            <a:endParaRPr kumimoji="1" lang="ja-JP" altLang="en-US"/>
+          </a:p>
+        </p:txBody>
+      </p:sp>
+      <p:sp>
+        <p:nvSpPr>
+          <p:cNvPr id="23" name="円/楕円 22"/>
+          <p:cNvSpPr>
+            <a:spLocks noChangeAspect="1"/>
+          </p:cNvSpPr>
+          <p:nvPr/>
+        </p:nvSpPr>
+        <p:spPr>
+          <a:xfrm rot="900000">
+            <a:off x="3143060" y="1590452"/>
+            <a:ext cx="54000" cy="54006"/>
+          </a:xfrm>
+          <a:prstGeom prst="ellipse">
+            <a:avLst/>
+          </a:prstGeom>
+          <a:solidFill>
+            <a:schemeClr val="tx1"/>
+          </a:solidFill>
+          <a:ln>
+            <a:noFill/>
+          </a:ln>
+        </p:spPr>
+        <p:style>
+          <a:lnRef idx="2">
+            <a:schemeClr val="accent1">
+              <a:shade val="50000"/>
+            </a:schemeClr>
+          </a:lnRef>
+          <a:fillRef idx="1">
+            <a:schemeClr val="accent1"/>
+          </a:fillRef>
+          <a:effectRef idx="0">
+            <a:schemeClr val="accent1"/>
+          </a:effectRef>
+          <a:fontRef idx="minor">
+            <a:schemeClr val="lt1"/>
+          </a:fontRef>
+        </p:style>
+        <p:txBody>
+          <a:bodyPr rtlCol="0" anchor="ctr"/>
+          <a:lstStyle/>
+          <a:p>
+            <a:pPr algn="ctr"/>
+            <a:endParaRPr kumimoji="1" lang="ja-JP" altLang="en-US"/>
+          </a:p>
+        </p:txBody>
+      </p:sp>
+      <p:cxnSp>
+        <p:nvCxnSpPr>
+          <p:cNvPr id="24" name="直線矢印コネクタ 23"/>
+          <p:cNvCxnSpPr/>
+          <p:nvPr/>
+        </p:nvCxnSpPr>
+        <p:spPr>
+          <a:xfrm>
+            <a:off x="3170188" y="1669528"/>
+            <a:ext cx="0" cy="539579"/>
+          </a:xfrm>
+          <a:prstGeom prst="straightConnector1">
+            <a:avLst/>
+          </a:prstGeom>
+          <a:ln w="12700">
+            <a:solidFill>
+              <a:schemeClr val="tx1"/>
+            </a:solidFill>
+            <a:prstDash val="sysDot"/>
+            <a:tailEnd type="arrow" w="sm" len="med"/>
+          </a:ln>
+        </p:spPr>
+        <p:style>
+          <a:lnRef idx="1">
+            <a:schemeClr val="accent1"/>
+          </a:lnRef>
+          <a:fillRef idx="0">
+            <a:schemeClr val="accent1"/>
+          </a:fillRef>
+          <a:effectRef idx="0">
+            <a:schemeClr val="accent1"/>
+          </a:effectRef>
+          <a:fontRef idx="minor">
+            <a:schemeClr val="tx1"/>
+          </a:fontRef>
+        </p:style>
+      </p:cxnSp>
+      <mc:AlternateContent xmlns:mc="http://schemas.openxmlformats.org/markup-compatibility/2006">
+        <mc:Choice xmlns:a14="http://schemas.microsoft.com/office/drawing/2010/main" Requires="a14">
+          <p:sp>
+            <p:nvSpPr>
+              <p:cNvPr id="25" name="テキスト ボックス 24"/>
+              <p:cNvSpPr txBox="1"/>
+              <p:nvPr/>
+            </p:nvSpPr>
+            <p:spPr>
+              <a:xfrm>
+                <a:off x="2750278" y="2167616"/>
+                <a:ext cx="343620" cy="230832"/>
+              </a:xfrm>
+              <a:prstGeom prst="rect">
+                <a:avLst/>
+              </a:prstGeom>
+              <a:noFill/>
+            </p:spPr>
+            <p:txBody>
+              <a:bodyPr wrap="none" rtlCol="0">
+                <a:spAutoFit/>
+              </a:bodyPr>
+              <a:lstStyle/>
+              <a:p>
+                <a:pPr/>
+                <a14:m>
+                  <m:oMathPara xmlns:m="http://schemas.openxmlformats.org/officeDocument/2006/math">
+                    <m:oMathParaPr>
+                      <m:jc m:val="centerGroup"/>
+                    </m:oMathParaPr>
+                    <m:oMath xmlns:m="http://schemas.openxmlformats.org/officeDocument/2006/math">
+                      <m:r>
+                        <a:rPr kumimoji="1" lang="ja-JP" altLang="en-US" sz="900" i="1" smtClean="0">
+                          <a:latin typeface="Cambria Math"/>
+                        </a:rPr>
+                        <m:t>∆</m:t>
+                      </m:r>
+                      <m:r>
+                        <a:rPr kumimoji="1" lang="en-US" altLang="ja-JP" sz="900" b="0" i="1" smtClean="0">
+                          <a:latin typeface="Cambria Math"/>
+                        </a:rPr>
+                        <m:t>𝑥</m:t>
+                      </m:r>
+                    </m:oMath>
+                  </m:oMathPara>
+                </a14:m>
+                <a:endParaRPr kumimoji="1" lang="ja-JP" altLang="en-US" sz="900" dirty="0"/>
+              </a:p>
+            </p:txBody>
+          </p:sp>
+        </mc:Choice>
+        <mc:Fallback>
+          <p:sp>
+            <p:nvSpPr>
+              <p:cNvPr id="25" name="テキスト ボックス 24"/>
+              <p:cNvSpPr txBox="1">
+                <a:spLocks noRot="1" noChangeAspect="1" noMove="1" noResize="1" noEditPoints="1" noAdjustHandles="1" noChangeArrowheads="1" noChangeShapeType="1" noTextEdit="1"/>
+              </p:cNvSpPr>
+              <p:nvPr/>
+            </p:nvSpPr>
+            <p:spPr>
+              <a:xfrm>
+                <a:off x="2750278" y="2167616"/>
+                <a:ext cx="343620" cy="230832"/>
+              </a:xfrm>
+              <a:prstGeom prst="rect">
+                <a:avLst/>
+              </a:prstGeom>
+              <a:blipFill rotWithShape="0">
+                <a:blip r:embed="rId3"/>
+                <a:stretch>
+                  <a:fillRect/>
+                </a:stretch>
+              </a:blipFill>
+            </p:spPr>
+            <p:txBody>
+              <a:bodyPr/>
+              <a:lstStyle/>
+              <a:p>
+                <a:r>
+                  <a:rPr lang="ja-JP" altLang="en-US">
+                    <a:noFill/>
+                  </a:rPr>
+                  <a:t> </a:t>
+                </a:r>
+              </a:p>
+            </p:txBody>
+          </p:sp>
+        </mc:Fallback>
+      </mc:AlternateContent>
+      <mc:AlternateContent xmlns:mc="http://schemas.openxmlformats.org/markup-compatibility/2006">
+        <mc:Choice xmlns:a14="http://schemas.microsoft.com/office/drawing/2010/main" Requires="a14">
+          <p:sp>
+            <p:nvSpPr>
+              <p:cNvPr id="26" name="テキスト ボックス 25"/>
+              <p:cNvSpPr txBox="1"/>
+              <p:nvPr/>
+            </p:nvSpPr>
+            <p:spPr>
+              <a:xfrm>
+                <a:off x="2915816" y="1921049"/>
+                <a:ext cx="345351" cy="230832"/>
+              </a:xfrm>
+              <a:prstGeom prst="rect">
+                <a:avLst/>
+              </a:prstGeom>
+              <a:noFill/>
+            </p:spPr>
+            <p:txBody>
+              <a:bodyPr wrap="none" rtlCol="0">
+                <a:spAutoFit/>
+              </a:bodyPr>
+              <a:lstStyle/>
+              <a:p>
+                <a:pPr/>
+                <a14:m>
+                  <m:oMathPara xmlns:m="http://schemas.openxmlformats.org/officeDocument/2006/math">
+                    <m:oMathParaPr>
+                      <m:jc m:val="centerGroup"/>
+                    </m:oMathParaPr>
+                    <m:oMath xmlns:m="http://schemas.openxmlformats.org/officeDocument/2006/math">
+                      <m:r>
+                        <a:rPr kumimoji="1" lang="ja-JP" altLang="en-US" sz="900" i="1" smtClean="0">
+                          <a:latin typeface="Cambria Math"/>
+                        </a:rPr>
+                        <m:t>∆</m:t>
+                      </m:r>
+                      <m:r>
+                        <a:rPr kumimoji="1" lang="en-US" altLang="ja-JP" sz="900" b="0" i="1" smtClean="0">
+                          <a:latin typeface="Cambria Math"/>
+                        </a:rPr>
+                        <m:t>𝑦</m:t>
+                      </m:r>
+                    </m:oMath>
+                  </m:oMathPara>
+                </a14:m>
+                <a:endParaRPr kumimoji="1" lang="ja-JP" altLang="en-US" sz="900" dirty="0"/>
+              </a:p>
+            </p:txBody>
+          </p:sp>
+        </mc:Choice>
+        <mc:Fallback>
+          <p:sp>
+            <p:nvSpPr>
+              <p:cNvPr id="26" name="テキスト ボックス 25"/>
+              <p:cNvSpPr txBox="1">
+                <a:spLocks noRot="1" noChangeAspect="1" noMove="1" noResize="1" noEditPoints="1" noAdjustHandles="1" noChangeArrowheads="1" noChangeShapeType="1" noTextEdit="1"/>
+              </p:cNvSpPr>
+              <p:nvPr/>
+            </p:nvSpPr>
+            <p:spPr>
+              <a:xfrm>
+                <a:off x="2915816" y="1921049"/>
+                <a:ext cx="345351" cy="230832"/>
+              </a:xfrm>
+              <a:prstGeom prst="rect">
+                <a:avLst/>
+              </a:prstGeom>
+              <a:blipFill rotWithShape="0">
+                <a:blip r:embed="rId4"/>
+                <a:stretch>
+                  <a:fillRect/>
+                </a:stretch>
+              </a:blipFill>
+            </p:spPr>
+            <p:txBody>
+              <a:bodyPr/>
+              <a:lstStyle/>
+              <a:p>
+                <a:r>
+                  <a:rPr lang="ja-JP" altLang="en-US">
+                    <a:noFill/>
+                  </a:rPr>
+                  <a:t> </a:t>
+                </a:r>
+              </a:p>
+            </p:txBody>
+          </p:sp>
+        </mc:Fallback>
+      </mc:AlternateContent>
+      <p:cxnSp>
+        <p:nvCxnSpPr>
+          <p:cNvPr id="27" name="直線コネクタ 26"/>
+          <p:cNvCxnSpPr/>
+          <p:nvPr/>
+        </p:nvCxnSpPr>
+        <p:spPr>
+          <a:xfrm flipV="1">
+            <a:off x="3146496" y="1448654"/>
+            <a:ext cx="385600" cy="180146"/>
+          </a:xfrm>
+          <a:prstGeom prst="line">
+            <a:avLst/>
+          </a:prstGeom>
+          <a:ln w="12700">
+            <a:solidFill>
+              <a:schemeClr val="tx1"/>
+            </a:solidFill>
+            <a:prstDash val="sysDash"/>
+          </a:ln>
+        </p:spPr>
+        <p:style>
+          <a:lnRef idx="1">
+            <a:schemeClr val="accent1"/>
+          </a:lnRef>
+          <a:fillRef idx="0">
+            <a:schemeClr val="accent1"/>
+          </a:fillRef>
+          <a:effectRef idx="0">
+            <a:schemeClr val="accent1"/>
+          </a:effectRef>
+          <a:fontRef idx="minor">
+            <a:schemeClr val="tx1"/>
+          </a:fontRef>
+        </p:style>
+      </p:cxnSp>
+      <p:cxnSp>
+        <p:nvCxnSpPr>
+          <p:cNvPr id="28" name="直線コネクタ 27"/>
+          <p:cNvCxnSpPr/>
+          <p:nvPr/>
+        </p:nvCxnSpPr>
+        <p:spPr>
+          <a:xfrm flipV="1">
+            <a:off x="3889816" y="3074467"/>
+            <a:ext cx="190765" cy="89122"/>
+          </a:xfrm>
+          <a:prstGeom prst="line">
+            <a:avLst/>
+          </a:prstGeom>
+          <a:ln w="12700">
+            <a:solidFill>
+              <a:schemeClr val="tx1"/>
+            </a:solidFill>
+            <a:prstDash val="sysDash"/>
+          </a:ln>
+        </p:spPr>
+        <p:style>
+          <a:lnRef idx="1">
+            <a:schemeClr val="accent1"/>
+          </a:lnRef>
+          <a:fillRef idx="0">
+            <a:schemeClr val="accent1"/>
+          </a:fillRef>
+          <a:effectRef idx="0">
+            <a:schemeClr val="accent1"/>
+          </a:effectRef>
+          <a:fontRef idx="minor">
+            <a:schemeClr val="tx1"/>
+          </a:fontRef>
+        </p:style>
+      </p:cxnSp>
+      <p:cxnSp>
+        <p:nvCxnSpPr>
+          <p:cNvPr id="29" name="直線矢印コネクタ 28"/>
+          <p:cNvCxnSpPr/>
+          <p:nvPr/>
+        </p:nvCxnSpPr>
+        <p:spPr>
+          <a:xfrm>
+            <a:off x="3342954" y="1542385"/>
+            <a:ext cx="697414" cy="1538284"/>
+          </a:xfrm>
+          <a:prstGeom prst="straightConnector1">
+            <a:avLst/>
+          </a:prstGeom>
+          <a:ln w="12700">
+            <a:solidFill>
+              <a:schemeClr val="tx1"/>
+            </a:solidFill>
+            <a:prstDash val="sysDot"/>
+            <a:headEnd type="arrow" w="sm" len="med"/>
+            <a:tailEnd type="arrow" w="sm" len="med"/>
+          </a:ln>
+        </p:spPr>
+        <p:style>
+          <a:lnRef idx="1">
+            <a:schemeClr val="accent1"/>
+          </a:lnRef>
+          <a:fillRef idx="0">
+            <a:schemeClr val="accent1"/>
+          </a:fillRef>
+          <a:effectRef idx="0">
+            <a:schemeClr val="accent1"/>
+          </a:effectRef>
+          <a:fontRef idx="minor">
+            <a:schemeClr val="tx1"/>
+          </a:fontRef>
+        </p:style>
+      </p:cxnSp>
+      <mc:AlternateContent xmlns:mc="http://schemas.openxmlformats.org/markup-compatibility/2006">
+        <mc:Choice xmlns:a14="http://schemas.microsoft.com/office/drawing/2010/main" Requires="a14">
+          <p:sp>
+            <p:nvSpPr>
+              <p:cNvPr id="30" name="テキスト ボックス 29"/>
+              <p:cNvSpPr txBox="1"/>
+              <p:nvPr/>
+            </p:nvSpPr>
+            <p:spPr>
+              <a:xfrm>
+                <a:off x="4648637" y="2957791"/>
+                <a:ext cx="1369862" cy="433260"/>
+              </a:xfrm>
+              <a:prstGeom prst="rect">
+                <a:avLst/>
+              </a:prstGeom>
+              <a:noFill/>
+            </p:spPr>
+            <p:txBody>
+              <a:bodyPr wrap="none" rtlCol="0">
+                <a:spAutoFit/>
+              </a:bodyPr>
+              <a:lstStyle/>
+              <a:p>
+                <a:pPr/>
+                <a14:m>
+                  <m:oMathPara xmlns:m="http://schemas.openxmlformats.org/officeDocument/2006/math">
+                    <m:oMathParaPr>
+                      <m:jc m:val="centerGroup"/>
+                    </m:oMathParaPr>
+                    <m:oMath xmlns:m="http://schemas.openxmlformats.org/officeDocument/2006/math">
+                      <m:r>
+                        <a:rPr lang="en-US" altLang="ja-JP" sz="1050" b="0" i="1" smtClean="0">
+                          <a:latin typeface="Cambria Math"/>
+                          <a:ea typeface="Cambria Math"/>
+                        </a:rPr>
+                        <m:t>𝑟</m:t>
+                      </m:r>
+                      <m:r>
+                        <a:rPr lang="en-US" altLang="ja-JP" sz="1050" b="0" i="1" smtClean="0">
+                          <a:latin typeface="Cambria Math"/>
+                          <a:ea typeface="Cambria Math"/>
+                        </a:rPr>
+                        <m:t>=</m:t>
+                      </m:r>
+                      <m:f>
+                        <m:fPr>
+                          <m:ctrlPr>
+                            <a:rPr lang="en-US" altLang="ja-JP" sz="1050" b="0" i="1" smtClean="0">
+                              <a:latin typeface="Cambria Math" panose="02040503050406030204" pitchFamily="18" charset="0"/>
+                              <a:ea typeface="Cambria Math"/>
+                            </a:rPr>
+                          </m:ctrlPr>
+                        </m:fPr>
+                        <m:num>
+                          <m:sSub>
+                            <m:sSubPr>
+                              <m:ctrlPr>
+                                <a:rPr lang="en-US" altLang="ja-JP" sz="1050" i="1" smtClean="0">
+                                  <a:latin typeface="Cambria Math" panose="02040503050406030204" pitchFamily="18" charset="0"/>
+                                  <a:ea typeface="HG丸ｺﾞｼｯｸM-PRO" panose="020F0600000000000000" pitchFamily="50" charset="-128"/>
+                                </a:rPr>
+                              </m:ctrlPr>
+                            </m:sSubPr>
+                            <m:e>
+                              <m:r>
+                                <a:rPr lang="en-US" altLang="ja-JP" sz="1050" b="0" i="1" smtClean="0">
+                                  <a:latin typeface="Cambria Math"/>
+                                  <a:ea typeface="HG丸ｺﾞｼｯｸM-PRO" panose="020F0600000000000000" pitchFamily="50" charset="-128"/>
+                                </a:rPr>
+                                <m:t>𝐿</m:t>
+                              </m:r>
+                            </m:e>
+                            <m:sub>
+                              <m:r>
+                                <a:rPr lang="en-US" altLang="ja-JP" sz="1050" b="0" i="1" smtClean="0">
+                                  <a:latin typeface="Cambria Math"/>
+                                  <a:ea typeface="HG丸ｺﾞｼｯｸM-PRO" panose="020F0600000000000000" pitchFamily="50" charset="-128"/>
+                                </a:rPr>
+                                <m:t>𝑇</m:t>
+                              </m:r>
+                            </m:sub>
+                          </m:sSub>
+                          <m:d>
+                            <m:dPr>
+                              <m:ctrlPr>
+                                <a:rPr lang="en-US" altLang="ja-JP" sz="1050" b="0" i="1" smtClean="0">
+                                  <a:latin typeface="Cambria Math" panose="02040503050406030204" pitchFamily="18" charset="0"/>
+                                  <a:ea typeface="Cambria Math"/>
+                                </a:rPr>
+                              </m:ctrlPr>
+                            </m:dPr>
+                            <m:e>
+                              <m:r>
+                                <a:rPr lang="en-US" altLang="ja-JP" sz="1050" b="0" i="1" smtClean="0">
+                                  <a:latin typeface="Cambria Math"/>
+                                  <a:ea typeface="Cambria Math"/>
+                                </a:rPr>
+                                <m:t>∆</m:t>
+                              </m:r>
+                              <m:sSub>
+                                <m:sSubPr>
+                                  <m:ctrlPr>
+                                    <a:rPr lang="en-US" altLang="ja-JP" sz="1050" b="0" i="1" smtClean="0">
+                                      <a:latin typeface="Cambria Math" panose="02040503050406030204" pitchFamily="18" charset="0"/>
+                                      <a:ea typeface="Cambria Math"/>
+                                    </a:rPr>
+                                  </m:ctrlPr>
+                                </m:sSubPr>
+                                <m:e>
+                                  <m:r>
+                                    <a:rPr lang="ja-JP" altLang="en-US" sz="1050" i="1" smtClean="0">
+                                      <a:latin typeface="Cambria Math"/>
+                                      <a:ea typeface="HG丸ｺﾞｼｯｸM-PRO" panose="020F0600000000000000" pitchFamily="50" charset="-128"/>
+                                    </a:rPr>
+                                    <m:t>𝜑</m:t>
+                                  </m:r>
+                                </m:e>
+                                <m:sub>
+                                  <m:r>
+                                    <a:rPr lang="en-US" altLang="ja-JP" sz="1050" b="0" i="1" smtClean="0">
+                                      <a:latin typeface="Cambria Math"/>
+                                      <a:ea typeface="Cambria Math"/>
+                                    </a:rPr>
+                                    <m:t>𝑅</m:t>
+                                  </m:r>
+                                </m:sub>
+                              </m:sSub>
+                              <m:r>
+                                <a:rPr lang="en-US" altLang="ja-JP" sz="1050" b="0" i="1" smtClean="0">
+                                  <a:latin typeface="Cambria Math"/>
+                                  <a:ea typeface="Cambria Math"/>
+                                </a:rPr>
+                                <m:t>+∆</m:t>
+                              </m:r>
+                              <m:sSub>
+                                <m:sSubPr>
+                                  <m:ctrlPr>
+                                    <a:rPr lang="en-US" altLang="ja-JP" sz="1050" b="0" i="1" smtClean="0">
+                                      <a:latin typeface="Cambria Math" panose="02040503050406030204" pitchFamily="18" charset="0"/>
+                                      <a:ea typeface="Cambria Math"/>
+                                    </a:rPr>
+                                  </m:ctrlPr>
+                                </m:sSubPr>
+                                <m:e>
+                                  <m:r>
+                                    <a:rPr lang="ja-JP" altLang="en-US" sz="1050" i="1" smtClean="0">
+                                      <a:latin typeface="Cambria Math"/>
+                                      <a:ea typeface="HG丸ｺﾞｼｯｸM-PRO" panose="020F0600000000000000" pitchFamily="50" charset="-128"/>
+                                    </a:rPr>
+                                    <m:t>𝜑</m:t>
+                                  </m:r>
+                                </m:e>
+                                <m:sub>
+                                  <m:r>
+                                    <a:rPr lang="en-US" altLang="ja-JP" sz="1050" b="0" i="1" smtClean="0">
+                                      <a:latin typeface="Cambria Math"/>
+                                      <a:ea typeface="Cambria Math"/>
+                                    </a:rPr>
+                                    <m:t>𝐿</m:t>
+                                  </m:r>
+                                </m:sub>
+                              </m:sSub>
+                            </m:e>
+                          </m:d>
+                        </m:num>
+                        <m:den>
+                          <m:r>
+                            <a:rPr lang="ja-JP" altLang="en-US" sz="1050" i="1" smtClean="0">
+                              <a:latin typeface="Cambria Math"/>
+                              <a:ea typeface="HG丸ｺﾞｼｯｸM-PRO" panose="020F0600000000000000" pitchFamily="50" charset="-128"/>
+                            </a:rPr>
+                            <m:t>∆</m:t>
+                          </m:r>
+                          <m:sSub>
+                            <m:sSubPr>
+                              <m:ctrlPr>
+                                <a:rPr lang="en-US" altLang="ja-JP" sz="1050" i="1" smtClean="0">
+                                  <a:latin typeface="Cambria Math" panose="02040503050406030204" pitchFamily="18" charset="0"/>
+                                  <a:ea typeface="HG丸ｺﾞｼｯｸM-PRO" panose="020F0600000000000000" pitchFamily="50" charset="-128"/>
+                                </a:rPr>
+                              </m:ctrlPr>
+                            </m:sSubPr>
+                            <m:e>
+                              <m:r>
+                                <a:rPr lang="ja-JP" altLang="en-US" sz="1050" i="1" smtClean="0">
+                                  <a:latin typeface="Cambria Math"/>
+                                  <a:ea typeface="HG丸ｺﾞｼｯｸM-PRO" panose="020F0600000000000000" pitchFamily="50" charset="-128"/>
+                                </a:rPr>
+                                <m:t>𝜑</m:t>
+                              </m:r>
+                            </m:e>
+                            <m:sub>
+                              <m:r>
+                                <a:rPr lang="en-US" altLang="ja-JP" sz="1050" b="0" i="1" smtClean="0">
+                                  <a:latin typeface="Cambria Math"/>
+                                  <a:ea typeface="HG丸ｺﾞｼｯｸM-PRO" panose="020F0600000000000000" pitchFamily="50" charset="-128"/>
+                                </a:rPr>
+                                <m:t>𝑅</m:t>
+                              </m:r>
+                            </m:sub>
+                          </m:sSub>
+                          <m:r>
+                            <a:rPr lang="en-US" altLang="ja-JP" sz="1050" b="0" i="1" smtClean="0">
+                              <a:latin typeface="Cambria Math"/>
+                              <a:ea typeface="HG丸ｺﾞｼｯｸM-PRO" panose="020F0600000000000000" pitchFamily="50" charset="-128"/>
+                            </a:rPr>
+                            <m:t>−</m:t>
+                          </m:r>
+                          <m:r>
+                            <a:rPr lang="ja-JP" altLang="en-US" sz="1050" i="1" smtClean="0">
+                              <a:latin typeface="Cambria Math"/>
+                              <a:ea typeface="HG丸ｺﾞｼｯｸM-PRO" panose="020F0600000000000000" pitchFamily="50" charset="-128"/>
+                            </a:rPr>
+                            <m:t>∆</m:t>
+                          </m:r>
+                          <m:sSub>
+                            <m:sSubPr>
+                              <m:ctrlPr>
+                                <a:rPr lang="en-US" altLang="ja-JP" sz="1050" i="1" smtClean="0">
+                                  <a:latin typeface="Cambria Math" panose="02040503050406030204" pitchFamily="18" charset="0"/>
+                                  <a:ea typeface="HG丸ｺﾞｼｯｸM-PRO" panose="020F0600000000000000" pitchFamily="50" charset="-128"/>
+                                </a:rPr>
+                              </m:ctrlPr>
+                            </m:sSubPr>
+                            <m:e>
+                              <m:r>
+                                <a:rPr lang="ja-JP" altLang="en-US" sz="1050" i="1" smtClean="0">
+                                  <a:latin typeface="Cambria Math"/>
+                                  <a:ea typeface="HG丸ｺﾞｼｯｸM-PRO" panose="020F0600000000000000" pitchFamily="50" charset="-128"/>
+                                </a:rPr>
+                                <m:t>𝜑</m:t>
+                              </m:r>
+                            </m:e>
+                            <m:sub>
+                              <m:r>
+                                <a:rPr lang="en-US" altLang="ja-JP" sz="1050" b="0" i="1" smtClean="0">
+                                  <a:latin typeface="Cambria Math"/>
+                                  <a:ea typeface="HG丸ｺﾞｼｯｸM-PRO" panose="020F0600000000000000" pitchFamily="50" charset="-128"/>
+                                </a:rPr>
+                                <m:t>𝐿</m:t>
+                              </m:r>
+                            </m:sub>
+                          </m:sSub>
+                        </m:den>
+                      </m:f>
+                    </m:oMath>
+                  </m:oMathPara>
+                </a14:m>
+                <a:endParaRPr lang="en-US" altLang="ja-JP" sz="1050" dirty="0">
+                  <a:latin typeface="HG丸ｺﾞｼｯｸM-PRO" panose="020F0600000000000000" pitchFamily="50" charset="-128"/>
+                  <a:ea typeface="HG丸ｺﾞｼｯｸM-PRO" panose="020F0600000000000000" pitchFamily="50" charset="-128"/>
+                </a:endParaRPr>
+              </a:p>
+            </p:txBody>
+          </p:sp>
+        </mc:Choice>
+        <mc:Fallback>
+          <p:sp>
+            <p:nvSpPr>
+              <p:cNvPr id="30" name="テキスト ボックス 29"/>
+              <p:cNvSpPr txBox="1">
+                <a:spLocks noRot="1" noChangeAspect="1" noMove="1" noResize="1" noEditPoints="1" noAdjustHandles="1" noChangeArrowheads="1" noChangeShapeType="1" noTextEdit="1"/>
+              </p:cNvSpPr>
+              <p:nvPr/>
+            </p:nvSpPr>
+            <p:spPr>
+              <a:xfrm>
+                <a:off x="4648637" y="2957791"/>
+                <a:ext cx="1369862" cy="433260"/>
+              </a:xfrm>
+              <a:prstGeom prst="rect">
+                <a:avLst/>
+              </a:prstGeom>
+              <a:blipFill rotWithShape="0">
+                <a:blip r:embed="rId5"/>
+                <a:stretch>
+                  <a:fillRect b="-1408"/>
+                </a:stretch>
+              </a:blipFill>
+            </p:spPr>
+            <p:txBody>
+              <a:bodyPr/>
+              <a:lstStyle/>
+              <a:p>
+                <a:r>
+                  <a:rPr lang="ja-JP" altLang="en-US">
+                    <a:noFill/>
+                  </a:rPr>
+                  <a:t> </a:t>
+                </a:r>
+              </a:p>
+            </p:txBody>
+          </p:sp>
+        </mc:Fallback>
+      </mc:AlternateContent>
+      <mc:AlternateContent xmlns:mc="http://schemas.openxmlformats.org/markup-compatibility/2006">
+        <mc:Choice xmlns:a14="http://schemas.microsoft.com/office/drawing/2010/main" Requires="a14">
+          <p:sp>
+            <p:nvSpPr>
+              <p:cNvPr id="31" name="正方形/長方形 30"/>
+              <p:cNvSpPr/>
+              <p:nvPr/>
+            </p:nvSpPr>
+            <p:spPr>
+              <a:xfrm>
+                <a:off x="3568532" y="2059894"/>
+                <a:ext cx="257443" cy="215444"/>
+              </a:xfrm>
+              <a:prstGeom prst="rect">
+                <a:avLst/>
+              </a:prstGeom>
+            </p:spPr>
+            <p:txBody>
+              <a:bodyPr wrap="none">
+                <a:spAutoFit/>
+              </a:bodyPr>
+              <a:lstStyle/>
+              <a:p>
+                <a:pPr/>
+                <a14:m>
+                  <m:oMathPara xmlns:m="http://schemas.openxmlformats.org/officeDocument/2006/math">
+                    <m:oMathParaPr>
+                      <m:jc m:val="centerGroup"/>
+                    </m:oMathParaPr>
+                    <m:oMath xmlns:m="http://schemas.openxmlformats.org/officeDocument/2006/math">
+                      <m:r>
+                        <a:rPr lang="en-US" altLang="ja-JP" sz="800" b="0" i="1" smtClean="0">
+                          <a:latin typeface="Cambria Math"/>
+                        </a:rPr>
+                        <m:t>𝑟</m:t>
+                      </m:r>
+                    </m:oMath>
+                  </m:oMathPara>
+                </a14:m>
+                <a:endParaRPr lang="ja-JP" altLang="en-US" sz="800" dirty="0"/>
+              </a:p>
+            </p:txBody>
+          </p:sp>
+        </mc:Choice>
+        <mc:Fallback>
+          <p:sp>
+            <p:nvSpPr>
+              <p:cNvPr id="31" name="正方形/長方形 30"/>
+              <p:cNvSpPr>
+                <a:spLocks noRot="1" noChangeAspect="1" noMove="1" noResize="1" noEditPoints="1" noAdjustHandles="1" noChangeArrowheads="1" noChangeShapeType="1" noTextEdit="1"/>
+              </p:cNvSpPr>
+              <p:nvPr/>
+            </p:nvSpPr>
+            <p:spPr>
+              <a:xfrm>
+                <a:off x="3568532" y="2059894"/>
+                <a:ext cx="257443" cy="215444"/>
+              </a:xfrm>
+              <a:prstGeom prst="rect">
+                <a:avLst/>
+              </a:prstGeom>
+              <a:blipFill rotWithShape="0">
+                <a:blip r:embed="rId6"/>
+                <a:stretch>
+                  <a:fillRect/>
+                </a:stretch>
+              </a:blipFill>
+            </p:spPr>
+            <p:txBody>
+              <a:bodyPr/>
+              <a:lstStyle/>
+              <a:p>
+                <a:r>
+                  <a:rPr lang="ja-JP" altLang="en-US">
+                    <a:noFill/>
+                  </a:rPr>
+                  <a:t> </a:t>
+                </a:r>
+              </a:p>
+            </p:txBody>
+          </p:sp>
+        </mc:Fallback>
+      </mc:AlternateContent>
+      <p:sp>
+        <p:nvSpPr>
+          <p:cNvPr id="32" name="テキスト ボックス 31"/>
+          <p:cNvSpPr txBox="1"/>
+          <p:nvPr/>
+        </p:nvSpPr>
+        <p:spPr>
+          <a:xfrm>
+            <a:off x="5921004" y="3034624"/>
+            <a:ext cx="1603324" cy="253916"/>
+          </a:xfrm>
+          <a:prstGeom prst="rect">
+            <a:avLst/>
+          </a:prstGeom>
+          <a:noFill/>
+        </p:spPr>
+        <p:txBody>
+          <a:bodyPr wrap="none" rtlCol="0">
+            <a:spAutoFit/>
+          </a:bodyPr>
+          <a:lstStyle/>
+          <a:p>
+            <a:r>
+              <a:rPr lang="ja-JP" altLang="en-US" sz="1050" dirty="0"/>
+              <a:t>（</a:t>
+            </a:r>
+            <a:r>
+              <a:rPr lang="ja-JP" altLang="en-US" sz="1050" dirty="0" smtClean="0"/>
+              <a:t>直進時は無限大となる</a:t>
+            </a:r>
+            <a:r>
+              <a:rPr lang="ja-JP" altLang="en-US" sz="1050" dirty="0"/>
+              <a:t>）</a:t>
+            </a:r>
+            <a:endParaRPr kumimoji="1" lang="ja-JP" altLang="en-US" sz="1050" dirty="0"/>
+          </a:p>
+        </p:txBody>
+      </p:sp>
+      <mc:AlternateContent xmlns:mc="http://schemas.openxmlformats.org/markup-compatibility/2006">
+        <mc:Choice xmlns:a14="http://schemas.microsoft.com/office/drawing/2010/main" Requires="a14">
+          <p:sp>
+            <p:nvSpPr>
+              <p:cNvPr id="33" name="テキスト ボックス 32"/>
+              <p:cNvSpPr txBox="1"/>
+              <p:nvPr/>
+            </p:nvSpPr>
+            <p:spPr>
+              <a:xfrm>
+                <a:off x="4635710" y="3356678"/>
+                <a:ext cx="1571391" cy="432362"/>
+              </a:xfrm>
+              <a:prstGeom prst="rect">
+                <a:avLst/>
+              </a:prstGeom>
+              <a:noFill/>
+            </p:spPr>
+            <p:txBody>
+              <a:bodyPr wrap="none" rtlCol="0">
+                <a:spAutoFit/>
+              </a:bodyPr>
+              <a:lstStyle/>
+              <a:p>
+                <a:pPr/>
+                <a14:m>
+                  <m:oMathPara xmlns:m="http://schemas.openxmlformats.org/officeDocument/2006/math">
+                    <m:oMathParaPr>
+                      <m:jc m:val="centerGroup"/>
+                    </m:oMathParaPr>
+                    <m:oMath xmlns:m="http://schemas.openxmlformats.org/officeDocument/2006/math">
+                      <m:r>
+                        <a:rPr lang="en-US" altLang="ja-JP" sz="1050" b="0" i="1" smtClean="0">
+                          <a:latin typeface="Cambria Math"/>
+                          <a:ea typeface="Cambria Math"/>
+                        </a:rPr>
+                        <m:t>∆</m:t>
+                      </m:r>
+                      <m:r>
+                        <a:rPr lang="ja-JP" altLang="en-US" sz="1050" b="0" i="1" smtClean="0">
+                          <a:latin typeface="Cambria Math"/>
+                          <a:ea typeface="Cambria Math"/>
+                        </a:rPr>
+                        <m:t>𝜃</m:t>
+                      </m:r>
+                      <m:r>
+                        <a:rPr lang="en-US" altLang="ja-JP" sz="1050" b="0" i="1" smtClean="0">
+                          <a:latin typeface="Cambria Math"/>
+                          <a:ea typeface="Cambria Math"/>
+                        </a:rPr>
+                        <m:t>=</m:t>
+                      </m:r>
+                      <m:f>
+                        <m:fPr>
+                          <m:ctrlPr>
+                            <a:rPr lang="en-US" altLang="ja-JP" sz="1050" b="0" i="1" smtClean="0">
+                              <a:latin typeface="Cambria Math" panose="02040503050406030204" pitchFamily="18" charset="0"/>
+                              <a:ea typeface="Cambria Math"/>
+                            </a:rPr>
+                          </m:ctrlPr>
+                        </m:fPr>
+                        <m:num>
+                          <m:r>
+                            <a:rPr lang="ja-JP" altLang="en-US" sz="1050" b="0" i="1" smtClean="0">
+                              <a:latin typeface="Cambria Math"/>
+                              <a:ea typeface="Cambria Math"/>
+                            </a:rPr>
+                            <m:t>𝜋</m:t>
+                          </m:r>
+                          <m:sSub>
+                            <m:sSubPr>
+                              <m:ctrlPr>
+                                <a:rPr lang="en-US" altLang="ja-JP" sz="1050" i="1" smtClean="0">
+                                  <a:latin typeface="Cambria Math" panose="02040503050406030204" pitchFamily="18" charset="0"/>
+                                  <a:ea typeface="HG丸ｺﾞｼｯｸM-PRO" panose="020F0600000000000000" pitchFamily="50" charset="-128"/>
+                                </a:rPr>
+                              </m:ctrlPr>
+                            </m:sSubPr>
+                            <m:e>
+                              <m:r>
+                                <a:rPr lang="en-US" altLang="ja-JP" sz="1050" b="0" i="1" smtClean="0">
+                                  <a:latin typeface="Cambria Math"/>
+                                  <a:ea typeface="HG丸ｺﾞｼｯｸM-PRO" panose="020F0600000000000000" pitchFamily="50" charset="-128"/>
+                                </a:rPr>
+                                <m:t>𝑅</m:t>
+                              </m:r>
+                            </m:e>
+                            <m:sub>
+                              <m:r>
+                                <a:rPr lang="en-US" altLang="ja-JP" sz="1050" b="0" i="1" smtClean="0">
+                                  <a:latin typeface="Cambria Math"/>
+                                  <a:ea typeface="HG丸ｺﾞｼｯｸM-PRO" panose="020F0600000000000000" pitchFamily="50" charset="-128"/>
+                                </a:rPr>
+                                <m:t>𝑤</m:t>
+                              </m:r>
+                            </m:sub>
+                          </m:sSub>
+                          <m:d>
+                            <m:dPr>
+                              <m:ctrlPr>
+                                <a:rPr lang="en-US" altLang="ja-JP" sz="1050" b="0" i="1" smtClean="0">
+                                  <a:latin typeface="Cambria Math" panose="02040503050406030204" pitchFamily="18" charset="0"/>
+                                  <a:ea typeface="Cambria Math"/>
+                                </a:rPr>
+                              </m:ctrlPr>
+                            </m:dPr>
+                            <m:e>
+                              <m:r>
+                                <a:rPr lang="en-US" altLang="ja-JP" sz="1050" b="0" i="1" smtClean="0">
+                                  <a:latin typeface="Cambria Math"/>
+                                  <a:ea typeface="Cambria Math"/>
+                                </a:rPr>
+                                <m:t>∆</m:t>
+                              </m:r>
+                              <m:sSub>
+                                <m:sSubPr>
+                                  <m:ctrlPr>
+                                    <a:rPr lang="en-US" altLang="ja-JP" sz="1050" b="0" i="1" smtClean="0">
+                                      <a:latin typeface="Cambria Math" panose="02040503050406030204" pitchFamily="18" charset="0"/>
+                                      <a:ea typeface="Cambria Math"/>
+                                    </a:rPr>
+                                  </m:ctrlPr>
+                                </m:sSubPr>
+                                <m:e>
+                                  <m:r>
+                                    <a:rPr lang="ja-JP" altLang="en-US" sz="1050" i="1" smtClean="0">
+                                      <a:latin typeface="Cambria Math"/>
+                                      <a:ea typeface="HG丸ｺﾞｼｯｸM-PRO" panose="020F0600000000000000" pitchFamily="50" charset="-128"/>
+                                    </a:rPr>
+                                    <m:t>𝜑</m:t>
+                                  </m:r>
+                                </m:e>
+                                <m:sub>
+                                  <m:r>
+                                    <a:rPr lang="en-US" altLang="ja-JP" sz="1050" b="0" i="1" smtClean="0">
+                                      <a:latin typeface="Cambria Math"/>
+                                      <a:ea typeface="Cambria Math"/>
+                                    </a:rPr>
+                                    <m:t>𝑅</m:t>
+                                  </m:r>
+                                </m:sub>
+                              </m:sSub>
+                              <m:r>
+                                <a:rPr lang="en-US" altLang="ja-JP" sz="1050" b="0" i="1" smtClean="0">
+                                  <a:latin typeface="Cambria Math"/>
+                                  <a:ea typeface="Cambria Math"/>
+                                </a:rPr>
+                                <m:t>−∆</m:t>
+                              </m:r>
+                              <m:sSub>
+                                <m:sSubPr>
+                                  <m:ctrlPr>
+                                    <a:rPr lang="en-US" altLang="ja-JP" sz="1050" b="0" i="1" smtClean="0">
+                                      <a:latin typeface="Cambria Math" panose="02040503050406030204" pitchFamily="18" charset="0"/>
+                                      <a:ea typeface="Cambria Math"/>
+                                    </a:rPr>
+                                  </m:ctrlPr>
+                                </m:sSubPr>
+                                <m:e>
+                                  <m:r>
+                                    <a:rPr lang="ja-JP" altLang="en-US" sz="1050" i="1" smtClean="0">
+                                      <a:latin typeface="Cambria Math"/>
+                                      <a:ea typeface="HG丸ｺﾞｼｯｸM-PRO" panose="020F0600000000000000" pitchFamily="50" charset="-128"/>
+                                    </a:rPr>
+                                    <m:t>𝜑</m:t>
+                                  </m:r>
+                                </m:e>
+                                <m:sub>
+                                  <m:r>
+                                    <a:rPr lang="en-US" altLang="ja-JP" sz="1050" b="0" i="1" smtClean="0">
+                                      <a:latin typeface="Cambria Math"/>
+                                      <a:ea typeface="Cambria Math"/>
+                                    </a:rPr>
+                                    <m:t>𝐿</m:t>
+                                  </m:r>
+                                </m:sub>
+                              </m:sSub>
+                            </m:e>
+                          </m:d>
+                        </m:num>
+                        <m:den>
+                          <m:r>
+                            <a:rPr lang="en-US" altLang="ja-JP" sz="1050" b="0" i="1" smtClean="0">
+                              <a:latin typeface="Cambria Math"/>
+                              <a:ea typeface="Cambria Math"/>
+                            </a:rPr>
+                            <m:t>360</m:t>
+                          </m:r>
+                          <m:sSub>
+                            <m:sSubPr>
+                              <m:ctrlPr>
+                                <a:rPr lang="en-US" altLang="ja-JP" sz="1050" i="1" smtClean="0">
+                                  <a:latin typeface="Cambria Math" panose="02040503050406030204" pitchFamily="18" charset="0"/>
+                                  <a:ea typeface="HG丸ｺﾞｼｯｸM-PRO" panose="020F0600000000000000" pitchFamily="50" charset="-128"/>
+                                </a:rPr>
+                              </m:ctrlPr>
+                            </m:sSubPr>
+                            <m:e>
+                              <m:r>
+                                <a:rPr lang="en-US" altLang="ja-JP" sz="1050" b="0" i="1" smtClean="0">
+                                  <a:latin typeface="Cambria Math"/>
+                                  <a:ea typeface="HG丸ｺﾞｼｯｸM-PRO" panose="020F0600000000000000" pitchFamily="50" charset="-128"/>
+                                </a:rPr>
+                                <m:t>𝐿</m:t>
+                              </m:r>
+                            </m:e>
+                            <m:sub>
+                              <m:r>
+                                <a:rPr lang="en-US" altLang="ja-JP" sz="1050" b="0" i="1" smtClean="0">
+                                  <a:latin typeface="Cambria Math"/>
+                                  <a:ea typeface="HG丸ｺﾞｼｯｸM-PRO" panose="020F0600000000000000" pitchFamily="50" charset="-128"/>
+                                </a:rPr>
+                                <m:t>𝑇</m:t>
+                              </m:r>
+                            </m:sub>
+                          </m:sSub>
+                        </m:den>
+                      </m:f>
+                    </m:oMath>
+                  </m:oMathPara>
+                </a14:m>
+                <a:endParaRPr lang="en-US" altLang="ja-JP" sz="1050" dirty="0" smtClean="0">
+                  <a:latin typeface="HG丸ｺﾞｼｯｸM-PRO" panose="020F0600000000000000" pitchFamily="50" charset="-128"/>
+                  <a:ea typeface="HG丸ｺﾞｼｯｸM-PRO" panose="020F0600000000000000" pitchFamily="50" charset="-128"/>
+                </a:endParaRPr>
+              </a:p>
+            </p:txBody>
+          </p:sp>
+        </mc:Choice>
+        <mc:Fallback>
+          <p:sp>
+            <p:nvSpPr>
+              <p:cNvPr id="33" name="テキスト ボックス 32"/>
+              <p:cNvSpPr txBox="1">
+                <a:spLocks noRot="1" noChangeAspect="1" noMove="1" noResize="1" noEditPoints="1" noAdjustHandles="1" noChangeArrowheads="1" noChangeShapeType="1" noTextEdit="1"/>
+              </p:cNvSpPr>
+              <p:nvPr/>
+            </p:nvSpPr>
+            <p:spPr>
+              <a:xfrm>
+                <a:off x="4635710" y="3356678"/>
+                <a:ext cx="1571391" cy="432362"/>
+              </a:xfrm>
+              <a:prstGeom prst="rect">
+                <a:avLst/>
+              </a:prstGeom>
+              <a:blipFill rotWithShape="0">
+                <a:blip r:embed="rId7"/>
+                <a:stretch>
+                  <a:fillRect/>
+                </a:stretch>
+              </a:blipFill>
+            </p:spPr>
+            <p:txBody>
+              <a:bodyPr/>
+              <a:lstStyle/>
+              <a:p>
+                <a:r>
+                  <a:rPr lang="ja-JP" altLang="en-US">
+                    <a:noFill/>
+                  </a:rPr>
+                  <a:t> </a:t>
+                </a:r>
+              </a:p>
+            </p:txBody>
+          </p:sp>
+        </mc:Fallback>
+      </mc:AlternateContent>
+      <mc:AlternateContent xmlns:mc="http://schemas.openxmlformats.org/markup-compatibility/2006">
+        <mc:Choice xmlns:a14="http://schemas.microsoft.com/office/drawing/2010/main" Requires="a14">
+          <p:sp>
+            <p:nvSpPr>
+              <p:cNvPr id="34" name="正方形/長方形 33"/>
+              <p:cNvSpPr/>
+              <p:nvPr/>
+            </p:nvSpPr>
+            <p:spPr>
+              <a:xfrm>
+                <a:off x="2134702" y="2346436"/>
+                <a:ext cx="374333" cy="215444"/>
+              </a:xfrm>
+              <a:prstGeom prst="rect">
+                <a:avLst/>
+              </a:prstGeom>
+            </p:spPr>
+            <p:txBody>
+              <a:bodyPr wrap="none">
+                <a:spAutoFit/>
+              </a:bodyPr>
+              <a:lstStyle/>
+              <a:p>
+                <a:pPr/>
+                <a14:m>
+                  <m:oMathPara xmlns:m="http://schemas.openxmlformats.org/officeDocument/2006/math">
+                    <m:oMathParaPr>
+                      <m:jc m:val="centerGroup"/>
+                    </m:oMathParaPr>
+                    <m:oMath xmlns:m="http://schemas.openxmlformats.org/officeDocument/2006/math">
+                      <m:r>
+                        <a:rPr lang="en-US" altLang="ja-JP" sz="800" b="0" i="1" smtClean="0">
+                          <a:latin typeface="Cambria Math"/>
+                          <a:ea typeface="HG丸ｺﾞｼｯｸM-PRO" panose="020F0600000000000000" pitchFamily="50" charset="-128"/>
+                        </a:rPr>
+                        <m:t>2</m:t>
+                      </m:r>
+                      <m:sSub>
+                        <m:sSubPr>
+                          <m:ctrlPr>
+                            <a:rPr lang="en-US" altLang="ja-JP" sz="800" i="1" smtClean="0">
+                              <a:latin typeface="Cambria Math" panose="02040503050406030204" pitchFamily="18" charset="0"/>
+                              <a:ea typeface="HG丸ｺﾞｼｯｸM-PRO" panose="020F0600000000000000" pitchFamily="50" charset="-128"/>
+                            </a:rPr>
+                          </m:ctrlPr>
+                        </m:sSubPr>
+                        <m:e>
+                          <m:r>
+                            <a:rPr lang="en-US" altLang="ja-JP" sz="800" b="0" i="1" smtClean="0">
+                              <a:latin typeface="Cambria Math"/>
+                              <a:ea typeface="HG丸ｺﾞｼｯｸM-PRO" panose="020F0600000000000000" pitchFamily="50" charset="-128"/>
+                            </a:rPr>
+                            <m:t>𝐿</m:t>
+                          </m:r>
+                        </m:e>
+                        <m:sub>
+                          <m:r>
+                            <a:rPr lang="en-US" altLang="ja-JP" sz="800" b="0" i="1" smtClean="0">
+                              <a:latin typeface="Cambria Math"/>
+                              <a:ea typeface="HG丸ｺﾞｼｯｸM-PRO" panose="020F0600000000000000" pitchFamily="50" charset="-128"/>
+                            </a:rPr>
+                            <m:t>𝑇</m:t>
+                          </m:r>
+                        </m:sub>
+                      </m:sSub>
+                    </m:oMath>
+                  </m:oMathPara>
+                </a14:m>
+                <a:endParaRPr lang="ja-JP" altLang="en-US" sz="800" dirty="0"/>
+              </a:p>
+            </p:txBody>
+          </p:sp>
+        </mc:Choice>
+        <mc:Fallback>
+          <p:sp>
+            <p:nvSpPr>
+              <p:cNvPr id="34" name="正方形/長方形 33"/>
+              <p:cNvSpPr>
+                <a:spLocks noRot="1" noChangeAspect="1" noMove="1" noResize="1" noEditPoints="1" noAdjustHandles="1" noChangeArrowheads="1" noChangeShapeType="1" noTextEdit="1"/>
+              </p:cNvSpPr>
+              <p:nvPr/>
+            </p:nvSpPr>
+            <p:spPr>
+              <a:xfrm>
+                <a:off x="2134702" y="2346436"/>
+                <a:ext cx="374333" cy="215444"/>
+              </a:xfrm>
+              <a:prstGeom prst="rect">
+                <a:avLst/>
+              </a:prstGeom>
+              <a:blipFill rotWithShape="0">
+                <a:blip r:embed="rId8"/>
+                <a:stretch>
+                  <a:fillRect/>
+                </a:stretch>
+              </a:blipFill>
+            </p:spPr>
+            <p:txBody>
+              <a:bodyPr/>
+              <a:lstStyle/>
+              <a:p>
+                <a:r>
+                  <a:rPr lang="ja-JP" altLang="en-US">
+                    <a:noFill/>
+                  </a:rPr>
+                  <a:t> </a:t>
+                </a:r>
+              </a:p>
+            </p:txBody>
+          </p:sp>
+        </mc:Fallback>
+      </mc:AlternateContent>
+      <p:cxnSp>
+        <p:nvCxnSpPr>
+          <p:cNvPr id="35" name="直線コネクタ 34"/>
+          <p:cNvCxnSpPr/>
+          <p:nvPr/>
+        </p:nvCxnSpPr>
+        <p:spPr>
+          <a:xfrm flipV="1">
+            <a:off x="2135037" y="2182916"/>
+            <a:ext cx="83318" cy="122500"/>
+          </a:xfrm>
+          <a:prstGeom prst="line">
+            <a:avLst/>
+          </a:prstGeom>
+          <a:ln w="12700">
+            <a:solidFill>
+              <a:schemeClr val="tx1"/>
+            </a:solidFill>
+            <a:prstDash val="sysDash"/>
+          </a:ln>
+        </p:spPr>
+        <p:style>
+          <a:lnRef idx="1">
+            <a:schemeClr val="accent1"/>
+          </a:lnRef>
+          <a:fillRef idx="0">
+            <a:schemeClr val="accent1"/>
+          </a:fillRef>
+          <a:effectRef idx="0">
+            <a:schemeClr val="accent1"/>
+          </a:effectRef>
+          <a:fontRef idx="minor">
+            <a:schemeClr val="tx1"/>
+          </a:fontRef>
+        </p:style>
+      </p:cxnSp>
+      <p:cxnSp>
+        <p:nvCxnSpPr>
+          <p:cNvPr id="36" name="直線コネクタ 35"/>
+          <p:cNvCxnSpPr/>
+          <p:nvPr/>
+        </p:nvCxnSpPr>
+        <p:spPr>
+          <a:xfrm flipV="1">
+            <a:off x="2492117" y="2457816"/>
+            <a:ext cx="83318" cy="122500"/>
+          </a:xfrm>
+          <a:prstGeom prst="line">
+            <a:avLst/>
+          </a:prstGeom>
+          <a:ln w="12700">
+            <a:solidFill>
+              <a:schemeClr val="tx1"/>
+            </a:solidFill>
+            <a:prstDash val="sysDash"/>
+          </a:ln>
+        </p:spPr>
+        <p:style>
+          <a:lnRef idx="1">
+            <a:schemeClr val="accent1"/>
+          </a:lnRef>
+          <a:fillRef idx="0">
+            <a:schemeClr val="accent1"/>
+          </a:fillRef>
+          <a:effectRef idx="0">
+            <a:schemeClr val="accent1"/>
+          </a:effectRef>
+          <a:fontRef idx="minor">
+            <a:schemeClr val="tx1"/>
+          </a:fontRef>
+        </p:style>
+      </p:cxnSp>
+      <p:cxnSp>
+        <p:nvCxnSpPr>
+          <p:cNvPr id="37" name="直線矢印コネクタ 36"/>
+          <p:cNvCxnSpPr/>
+          <p:nvPr/>
+        </p:nvCxnSpPr>
+        <p:spPr>
+          <a:xfrm rot="21480000">
+            <a:off x="2186541" y="2244166"/>
+            <a:ext cx="347235" cy="274900"/>
+          </a:xfrm>
+          <a:prstGeom prst="straightConnector1">
+            <a:avLst/>
+          </a:prstGeom>
+          <a:ln w="12700">
+            <a:solidFill>
+              <a:schemeClr val="tx1"/>
+            </a:solidFill>
+            <a:prstDash val="sysDot"/>
+            <a:headEnd type="arrow" w="sm" len="med"/>
+            <a:tailEnd type="arrow" w="sm" len="med"/>
+          </a:ln>
+        </p:spPr>
+        <p:style>
+          <a:lnRef idx="1">
+            <a:schemeClr val="accent1"/>
+          </a:lnRef>
+          <a:fillRef idx="0">
+            <a:schemeClr val="accent1"/>
+          </a:fillRef>
+          <a:effectRef idx="0">
+            <a:schemeClr val="accent1"/>
+          </a:effectRef>
+          <a:fontRef idx="minor">
+            <a:schemeClr val="tx1"/>
+          </a:fontRef>
+        </p:style>
+      </p:cxnSp>
+      <mc:AlternateContent xmlns:mc="http://schemas.openxmlformats.org/markup-compatibility/2006">
+        <mc:Choice xmlns:a14="http://schemas.microsoft.com/office/drawing/2010/main" Requires="a14">
+          <p:sp>
+            <p:nvSpPr>
+              <p:cNvPr id="38" name="テキスト ボックス 37"/>
+              <p:cNvSpPr txBox="1"/>
+              <p:nvPr/>
+            </p:nvSpPr>
+            <p:spPr>
+              <a:xfrm>
+                <a:off x="4635710" y="4077072"/>
+                <a:ext cx="1821588" cy="415498"/>
+              </a:xfrm>
+              <a:prstGeom prst="rect">
+                <a:avLst/>
+              </a:prstGeom>
+              <a:noFill/>
+            </p:spPr>
+            <p:txBody>
+              <a:bodyPr wrap="none" rtlCol="0">
+                <a:spAutoFit/>
+              </a:bodyPr>
+              <a:lstStyle/>
+              <a:p>
+                <a:pPr/>
+                <a14:m>
+                  <m:oMathPara xmlns:m="http://schemas.openxmlformats.org/officeDocument/2006/math">
+                    <m:oMathParaPr>
+                      <m:jc m:val="centerGroup"/>
+                    </m:oMathParaPr>
+                    <m:oMath xmlns:m="http://schemas.openxmlformats.org/officeDocument/2006/math">
+                      <m:r>
+                        <a:rPr lang="en-US" altLang="ja-JP" sz="1050" b="0" i="1" smtClean="0">
+                          <a:latin typeface="Cambria Math"/>
+                          <a:ea typeface="Cambria Math"/>
+                        </a:rPr>
+                        <m:t>∆</m:t>
+                      </m:r>
+                      <m:r>
+                        <a:rPr lang="en-US" altLang="ja-JP" sz="1050" b="0" i="1" smtClean="0">
+                          <a:latin typeface="Cambria Math"/>
+                          <a:ea typeface="Cambria Math"/>
+                        </a:rPr>
+                        <m:t>𝑥</m:t>
+                      </m:r>
+                      <m:r>
+                        <a:rPr lang="en-US" altLang="ja-JP" sz="1050" b="0" i="1" smtClean="0">
+                          <a:latin typeface="Cambria Math"/>
+                          <a:ea typeface="Cambria Math"/>
+                        </a:rPr>
+                        <m:t>=</m:t>
+                      </m:r>
+                      <m:r>
+                        <a:rPr lang="en-US" altLang="ja-JP" sz="1050" b="0" i="1" smtClean="0">
+                          <a:latin typeface="Cambria Math"/>
+                          <a:ea typeface="Cambria Math"/>
+                        </a:rPr>
+                        <m:t>𝑟</m:t>
+                      </m:r>
+                      <m:d>
+                        <m:dPr>
+                          <m:begChr m:val="{"/>
+                          <m:endChr m:val="}"/>
+                          <m:ctrlPr>
+                            <a:rPr lang="en-US" altLang="ja-JP" sz="1050" b="0" i="1" smtClean="0">
+                              <a:latin typeface="Cambria Math" panose="02040503050406030204" pitchFamily="18" charset="0"/>
+                              <a:ea typeface="Cambria Math"/>
+                            </a:rPr>
+                          </m:ctrlPr>
+                        </m:dPr>
+                        <m:e>
+                          <m:func>
+                            <m:funcPr>
+                              <m:ctrlPr>
+                                <a:rPr lang="en-US" altLang="ja-JP" sz="1050" b="0" i="1" smtClean="0">
+                                  <a:latin typeface="Cambria Math" panose="02040503050406030204" pitchFamily="18" charset="0"/>
+                                  <a:ea typeface="Cambria Math"/>
+                                </a:rPr>
+                              </m:ctrlPr>
+                            </m:funcPr>
+                            <m:fName>
+                              <m:r>
+                                <m:rPr>
+                                  <m:sty m:val="p"/>
+                                </m:rPr>
+                                <a:rPr lang="en-US" altLang="ja-JP" sz="1050" b="0" i="0" smtClean="0">
+                                  <a:latin typeface="Cambria Math"/>
+                                  <a:ea typeface="Cambria Math"/>
+                                </a:rPr>
+                                <m:t>cos</m:t>
+                              </m:r>
+                            </m:fName>
+                            <m:e>
+                              <m:d>
+                                <m:dPr>
+                                  <m:ctrlPr>
+                                    <a:rPr lang="en-US" altLang="ja-JP" sz="1050" b="0" i="1" smtClean="0">
+                                      <a:latin typeface="Cambria Math" panose="02040503050406030204" pitchFamily="18" charset="0"/>
+                                      <a:ea typeface="Cambria Math"/>
+                                    </a:rPr>
+                                  </m:ctrlPr>
+                                </m:dPr>
+                                <m:e>
+                                  <m:r>
+                                    <a:rPr lang="ja-JP" altLang="en-US" sz="1050" i="1" smtClean="0">
+                                      <a:latin typeface="Cambria Math"/>
+                                      <a:ea typeface="HG丸ｺﾞｼｯｸM-PRO" panose="020F0600000000000000" pitchFamily="50" charset="-128"/>
+                                    </a:rPr>
+                                    <m:t>𝜃</m:t>
+                                  </m:r>
+                                  <m:r>
+                                    <m:rPr>
+                                      <m:nor/>
+                                    </m:rPr>
+                                    <a:rPr lang="en-US" altLang="ja-JP" sz="1050" b="0" i="0" smtClean="0">
+                                      <a:latin typeface="Cambria Math"/>
+                                      <a:ea typeface="HG丸ｺﾞｼｯｸM-PRO" panose="020F0600000000000000" pitchFamily="50" charset="-128"/>
+                                    </a:rPr>
+                                    <m:t>+</m:t>
+                                  </m:r>
+                                  <m:r>
+                                    <a:rPr lang="en-US" altLang="ja-JP" sz="1050" b="0" i="1" smtClean="0">
+                                      <a:latin typeface="Cambria Math"/>
+                                      <a:ea typeface="Cambria Math"/>
+                                    </a:rPr>
+                                    <m:t>∆</m:t>
+                                  </m:r>
+                                  <m:r>
+                                    <a:rPr lang="ja-JP" altLang="en-US" sz="1050" b="0" i="1" smtClean="0">
+                                      <a:latin typeface="Cambria Math"/>
+                                      <a:ea typeface="Cambria Math"/>
+                                    </a:rPr>
+                                    <m:t>𝜃</m:t>
+                                  </m:r>
+                                </m:e>
+                              </m:d>
+                            </m:e>
+                          </m:func>
+                          <m:r>
+                            <a:rPr lang="en-US" altLang="ja-JP" sz="1050" b="0" i="1" smtClean="0">
+                              <a:latin typeface="Cambria Math"/>
+                              <a:ea typeface="Cambria Math"/>
+                            </a:rPr>
+                            <m:t>−</m:t>
+                          </m:r>
+                          <m:func>
+                            <m:funcPr>
+                              <m:ctrlPr>
+                                <a:rPr lang="en-US" altLang="ja-JP" sz="1050" b="0" i="1" smtClean="0">
+                                  <a:latin typeface="Cambria Math" panose="02040503050406030204" pitchFamily="18" charset="0"/>
+                                  <a:ea typeface="Cambria Math"/>
+                                </a:rPr>
+                              </m:ctrlPr>
+                            </m:funcPr>
+                            <m:fName>
+                              <m:r>
+                                <m:rPr>
+                                  <m:sty m:val="p"/>
+                                </m:rPr>
+                                <a:rPr lang="en-US" altLang="ja-JP" sz="1050" b="0" i="0" smtClean="0">
+                                  <a:latin typeface="Cambria Math"/>
+                                  <a:ea typeface="Cambria Math"/>
+                                </a:rPr>
+                                <m:t>cos</m:t>
+                              </m:r>
+                            </m:fName>
+                            <m:e>
+                              <m:r>
+                                <a:rPr lang="ja-JP" altLang="en-US" sz="1050" b="0" i="1" smtClean="0">
+                                  <a:latin typeface="Cambria Math"/>
+                                  <a:ea typeface="Cambria Math"/>
+                                </a:rPr>
+                                <m:t>𝜃</m:t>
+                              </m:r>
+                            </m:e>
+                          </m:func>
+                        </m:e>
+                      </m:d>
+                    </m:oMath>
+                    <m:oMath xmlns:m="http://schemas.openxmlformats.org/officeDocument/2006/math">
+                      <m:r>
+                        <a:rPr lang="en-US" altLang="ja-JP" sz="1050" b="0" i="1" smtClean="0">
+                          <a:latin typeface="Cambria Math"/>
+                          <a:ea typeface="Cambria Math"/>
+                        </a:rPr>
+                        <m:t>∆</m:t>
+                      </m:r>
+                      <m:r>
+                        <a:rPr lang="en-US" altLang="ja-JP" sz="1050" b="0" i="1" smtClean="0">
+                          <a:latin typeface="Cambria Math"/>
+                          <a:ea typeface="Cambria Math"/>
+                        </a:rPr>
+                        <m:t>𝑦</m:t>
+                      </m:r>
+                      <m:r>
+                        <a:rPr lang="en-US" altLang="ja-JP" sz="1050" b="0" i="1" smtClean="0">
+                          <a:latin typeface="Cambria Math"/>
+                          <a:ea typeface="Cambria Math"/>
+                        </a:rPr>
+                        <m:t>=</m:t>
+                      </m:r>
+                      <m:r>
+                        <a:rPr lang="en-US" altLang="ja-JP" sz="1050" b="0" i="1" smtClean="0">
+                          <a:latin typeface="Cambria Math"/>
+                          <a:ea typeface="Cambria Math"/>
+                        </a:rPr>
+                        <m:t>𝑟</m:t>
+                      </m:r>
+                      <m:d>
+                        <m:dPr>
+                          <m:begChr m:val="{"/>
+                          <m:endChr m:val="}"/>
+                          <m:ctrlPr>
+                            <a:rPr lang="en-US" altLang="ja-JP" sz="1050" b="0" i="1" smtClean="0">
+                              <a:latin typeface="Cambria Math" panose="02040503050406030204" pitchFamily="18" charset="0"/>
+                              <a:ea typeface="Cambria Math"/>
+                            </a:rPr>
+                          </m:ctrlPr>
+                        </m:dPr>
+                        <m:e>
+                          <m:func>
+                            <m:funcPr>
+                              <m:ctrlPr>
+                                <a:rPr lang="en-US" altLang="ja-JP" sz="1050" b="0" i="1" smtClean="0">
+                                  <a:latin typeface="Cambria Math" panose="02040503050406030204" pitchFamily="18" charset="0"/>
+                                  <a:ea typeface="Cambria Math"/>
+                                </a:rPr>
+                              </m:ctrlPr>
+                            </m:funcPr>
+                            <m:fName>
+                              <m:r>
+                                <a:rPr lang="en-US" altLang="ja-JP" sz="1050" b="0" i="1" smtClean="0">
+                                  <a:latin typeface="Cambria Math"/>
+                                  <a:ea typeface="Cambria Math"/>
+                                </a:rPr>
+                                <m:t>𝑠𝑖𝑛</m:t>
+                              </m:r>
+                            </m:fName>
+                            <m:e>
+                              <m:d>
+                                <m:dPr>
+                                  <m:ctrlPr>
+                                    <a:rPr lang="en-US" altLang="ja-JP" sz="1050" b="0" i="1" smtClean="0">
+                                      <a:latin typeface="Cambria Math" panose="02040503050406030204" pitchFamily="18" charset="0"/>
+                                      <a:ea typeface="Cambria Math"/>
+                                    </a:rPr>
+                                  </m:ctrlPr>
+                                </m:dPr>
+                                <m:e>
+                                  <m:r>
+                                    <a:rPr lang="ja-JP" altLang="en-US" sz="1050" i="1" smtClean="0">
+                                      <a:latin typeface="Cambria Math"/>
+                                      <a:ea typeface="HG丸ｺﾞｼｯｸM-PRO" panose="020F0600000000000000" pitchFamily="50" charset="-128"/>
+                                    </a:rPr>
+                                    <m:t>𝜃</m:t>
+                                  </m:r>
+                                  <m:r>
+                                    <m:rPr>
+                                      <m:nor/>
+                                    </m:rPr>
+                                    <a:rPr lang="en-US" altLang="ja-JP" sz="1050" b="0" i="0" smtClean="0">
+                                      <a:latin typeface="Cambria Math"/>
+                                      <a:ea typeface="HG丸ｺﾞｼｯｸM-PRO" panose="020F0600000000000000" pitchFamily="50" charset="-128"/>
+                                    </a:rPr>
+                                    <m:t>+</m:t>
+                                  </m:r>
+                                  <m:r>
+                                    <a:rPr lang="en-US" altLang="ja-JP" sz="1050" b="0" i="1" smtClean="0">
+                                      <a:latin typeface="Cambria Math"/>
+                                      <a:ea typeface="Cambria Math"/>
+                                    </a:rPr>
+                                    <m:t>∆</m:t>
+                                  </m:r>
+                                  <m:r>
+                                    <a:rPr lang="ja-JP" altLang="en-US" sz="1050" b="0" i="1" smtClean="0">
+                                      <a:latin typeface="Cambria Math"/>
+                                      <a:ea typeface="Cambria Math"/>
+                                    </a:rPr>
+                                    <m:t>𝜃</m:t>
+                                  </m:r>
+                                </m:e>
+                              </m:d>
+                            </m:e>
+                          </m:func>
+                          <m:r>
+                            <a:rPr lang="en-US" altLang="ja-JP" sz="1050" b="0" i="1" smtClean="0">
+                              <a:latin typeface="Cambria Math"/>
+                              <a:ea typeface="Cambria Math"/>
+                            </a:rPr>
+                            <m:t>−</m:t>
+                          </m:r>
+                          <m:func>
+                            <m:funcPr>
+                              <m:ctrlPr>
+                                <a:rPr lang="en-US" altLang="ja-JP" sz="1050" b="0" i="1" smtClean="0">
+                                  <a:latin typeface="Cambria Math" panose="02040503050406030204" pitchFamily="18" charset="0"/>
+                                  <a:ea typeface="Cambria Math"/>
+                                </a:rPr>
+                              </m:ctrlPr>
+                            </m:funcPr>
+                            <m:fName>
+                              <m:r>
+                                <a:rPr lang="en-US" altLang="ja-JP" sz="1050" b="0" i="1" smtClean="0">
+                                  <a:latin typeface="Cambria Math"/>
+                                  <a:ea typeface="Cambria Math"/>
+                                </a:rPr>
+                                <m:t>𝑠𝑖𝑛</m:t>
+                              </m:r>
+                            </m:fName>
+                            <m:e>
+                              <m:r>
+                                <a:rPr lang="ja-JP" altLang="en-US" sz="1050" b="0" i="1" smtClean="0">
+                                  <a:latin typeface="Cambria Math"/>
+                                  <a:ea typeface="Cambria Math"/>
+                                </a:rPr>
+                                <m:t>𝜃</m:t>
+                              </m:r>
+                            </m:e>
+                          </m:func>
+                        </m:e>
+                      </m:d>
+                    </m:oMath>
+                  </m:oMathPara>
+                </a14:m>
+                <a:endParaRPr lang="en-US" altLang="ja-JP" sz="1050" dirty="0" smtClean="0">
+                  <a:latin typeface="HG丸ｺﾞｼｯｸM-PRO" panose="020F0600000000000000" pitchFamily="50" charset="-128"/>
+                  <a:ea typeface="HG丸ｺﾞｼｯｸM-PRO" panose="020F0600000000000000" pitchFamily="50" charset="-128"/>
+                </a:endParaRPr>
+              </a:p>
+            </p:txBody>
+          </p:sp>
+        </mc:Choice>
+        <mc:Fallback>
+          <p:sp>
+            <p:nvSpPr>
+              <p:cNvPr id="38" name="テキスト ボックス 37"/>
+              <p:cNvSpPr txBox="1">
+                <a:spLocks noRot="1" noChangeAspect="1" noMove="1" noResize="1" noEditPoints="1" noAdjustHandles="1" noChangeArrowheads="1" noChangeShapeType="1" noTextEdit="1"/>
+              </p:cNvSpPr>
+              <p:nvPr/>
+            </p:nvSpPr>
+            <p:spPr>
+              <a:xfrm>
+                <a:off x="4635710" y="4077072"/>
+                <a:ext cx="1821588" cy="415498"/>
+              </a:xfrm>
+              <a:prstGeom prst="rect">
+                <a:avLst/>
+              </a:prstGeom>
+              <a:blipFill rotWithShape="0">
+                <a:blip r:embed="rId9"/>
+                <a:stretch>
+                  <a:fillRect/>
+                </a:stretch>
+              </a:blipFill>
+            </p:spPr>
+            <p:txBody>
+              <a:bodyPr/>
+              <a:lstStyle/>
+              <a:p>
+                <a:r>
+                  <a:rPr lang="ja-JP" altLang="en-US">
+                    <a:noFill/>
+                  </a:rPr>
+                  <a:t> </a:t>
+                </a:r>
+              </a:p>
+            </p:txBody>
+          </p:sp>
+        </mc:Fallback>
+      </mc:AlternateContent>
+      <p:sp>
+        <p:nvSpPr>
+          <p:cNvPr id="39" name="正方形/長方形 38"/>
+          <p:cNvSpPr/>
+          <p:nvPr/>
+        </p:nvSpPr>
+        <p:spPr>
+          <a:xfrm>
+            <a:off x="4211960" y="2751677"/>
+            <a:ext cx="1935145" cy="253916"/>
+          </a:xfrm>
+          <a:prstGeom prst="rect">
+            <a:avLst/>
+          </a:prstGeom>
+        </p:spPr>
+        <p:txBody>
+          <a:bodyPr wrap="none">
+            <a:spAutoFit/>
+          </a:bodyPr>
+          <a:lstStyle/>
+          <a:p>
+            <a:r>
+              <a:rPr lang="ja-JP" altLang="en-US" sz="1050" dirty="0" smtClean="0">
+                <a:latin typeface="HG丸ｺﾞｼｯｸM-PRO" panose="020F0600000000000000" pitchFamily="50" charset="-128"/>
+                <a:ea typeface="HG丸ｺﾞｼｯｸM-PRO" panose="020F0600000000000000" pitchFamily="50" charset="-128"/>
+              </a:rPr>
+              <a:t>走行体の旋回半径と方向変化</a:t>
+            </a:r>
+            <a:endParaRPr lang="ja-JP" altLang="en-US" sz="1050" dirty="0"/>
+          </a:p>
+        </p:txBody>
+      </p:sp>
+      <p:sp>
+        <p:nvSpPr>
+          <p:cNvPr id="40" name="正方形/長方形 39"/>
+          <p:cNvSpPr/>
+          <p:nvPr/>
+        </p:nvSpPr>
+        <p:spPr>
+          <a:xfrm>
+            <a:off x="4211960" y="3823156"/>
+            <a:ext cx="1396536" cy="253916"/>
+          </a:xfrm>
+          <a:prstGeom prst="rect">
+            <a:avLst/>
+          </a:prstGeom>
+        </p:spPr>
+        <p:txBody>
+          <a:bodyPr wrap="none">
+            <a:spAutoFit/>
+          </a:bodyPr>
+          <a:lstStyle/>
+          <a:p>
+            <a:r>
+              <a:rPr lang="ja-JP" altLang="en-US" sz="1050" dirty="0" smtClean="0">
+                <a:latin typeface="HG丸ｺﾞｼｯｸM-PRO" panose="020F0600000000000000" pitchFamily="50" charset="-128"/>
+                <a:ea typeface="HG丸ｺﾞｼｯｸM-PRO" panose="020F0600000000000000" pitchFamily="50" charset="-128"/>
+              </a:rPr>
+              <a:t>走行体の位置の変化</a:t>
+            </a:r>
+            <a:endParaRPr lang="ja-JP" altLang="en-US" sz="1050" dirty="0"/>
+          </a:p>
+        </p:txBody>
+      </p:sp>
+    </p:spTree>
+    <p:extLst>
+      <p:ext uri="{BB962C8B-B14F-4D97-AF65-F5344CB8AC3E}">
+        <p14:creationId xmlns:p14="http://schemas.microsoft.com/office/powerpoint/2010/main" val="2145069615"/>
       </p:ext>
     </p:extLst>
   </p:cSld>
